--- a/ressources/analyse/rapport/Support Projet 4 SEO.pptx
+++ b/ressources/analyse/rapport/Support Projet 4 SEO.pptx
@@ -19,7 +19,6 @@
     <p:sldId id="264" r:id="rId14"/>
     <p:sldId id="265" r:id="rId15"/>
     <p:sldId id="266" r:id="rId16"/>
-    <p:sldId id="267" r:id="rId17"/>
   </p:sldIdLst>
   <p:sldSz cy="5143500" cx="9144000"/>
   <p:notesSz cx="6858000" cy="9144000"/>
@@ -801,7 +800,7 @@
   <p:cSld>
     <p:spTree>
       <p:nvGrpSpPr>
-        <p:cNvPr id="114" name="Shape 114"/>
+        <p:cNvPr id="135" name="Shape 135"/>
         <p:cNvGrpSpPr/>
         <p:nvPr/>
       </p:nvGrpSpPr>
@@ -815,7 +814,7 @@
       </p:grpSpPr>
       <p:sp>
         <p:nvSpPr>
-          <p:cNvPr id="115" name="Google Shape;115;gb96cc9369e_0_5:notes"/>
+          <p:cNvPr id="136" name="Google Shape;136;gb96cc9369e_0_17:notes"/>
           <p:cNvSpPr/>
           <p:nvPr>
             <p:ph idx="2" type="sldImg"/>
@@ -850,7 +849,7 @@
       </p:sp>
       <p:sp>
         <p:nvSpPr>
-          <p:cNvPr id="116" name="Google Shape;116;gb96cc9369e_0_5:notes"/>
+          <p:cNvPr id="137" name="Google Shape;137;gb96cc9369e_0_17:notes"/>
           <p:cNvSpPr txBox="1"/>
           <p:nvPr>
             <p:ph idx="1" type="body"/>
@@ -900,7 +899,7 @@
   <p:cSld>
     <p:spTree>
       <p:nvGrpSpPr>
-        <p:cNvPr id="123" name="Shape 123"/>
+        <p:cNvPr id="144" name="Shape 144"/>
         <p:cNvGrpSpPr/>
         <p:nvPr/>
       </p:nvGrpSpPr>
@@ -914,7 +913,7 @@
       </p:grpSpPr>
       <p:sp>
         <p:nvSpPr>
-          <p:cNvPr id="124" name="Google Shape;124;gb96cc9369e_0_17:notes"/>
+          <p:cNvPr id="145" name="Google Shape;145;gb96cc9369e_0_33:notes"/>
           <p:cNvSpPr/>
           <p:nvPr>
             <p:ph idx="2" type="sldImg"/>
@@ -949,106 +948,7 @@
       </p:sp>
       <p:sp>
         <p:nvSpPr>
-          <p:cNvPr id="125" name="Google Shape;125;gb96cc9369e_0_17:notes"/>
-          <p:cNvSpPr txBox="1"/>
-          <p:nvPr>
-            <p:ph idx="1" type="body"/>
-          </p:nvPr>
-        </p:nvSpPr>
-        <p:spPr>
-          <a:xfrm>
-            <a:off x="685800" y="4343400"/>
-            <a:ext cx="5486400" cy="4114800"/>
-          </a:xfrm>
-          <a:prstGeom prst="rect">
-            <a:avLst/>
-          </a:prstGeom>
-        </p:spPr>
-        <p:txBody>
-          <a:bodyPr anchorCtr="0" anchor="t" bIns="91425" lIns="91425" spcFirstLastPara="1" rIns="91425" wrap="square" tIns="91425">
-            <a:noAutofit/>
-          </a:bodyPr>
-          <a:lstStyle/>
-          <a:p>
-            <a:pPr indent="0" lvl="0" marL="0" rtl="0" algn="l">
-              <a:spcBef>
-                <a:spcPts val="0"/>
-              </a:spcBef>
-              <a:spcAft>
-                <a:spcPts val="0"/>
-              </a:spcAft>
-              <a:buNone/>
-            </a:pPr>
-            <a:r>
-              <a:t/>
-            </a:r>
-            <a:endParaRPr/>
-          </a:p>
-        </p:txBody>
-      </p:sp>
-    </p:spTree>
-  </p:cSld>
-  <p:clrMapOvr>
-    <a:masterClrMapping/>
-  </p:clrMapOvr>
-</p:notes>
-</file>
-
-<file path=ppt/notesSlides/notesSlide12.xml><?xml version="1.0" encoding="utf-8"?>
-<p:notes xmlns:a="http://schemas.openxmlformats.org/drawingml/2006/main" xmlns:r="http://schemas.openxmlformats.org/officeDocument/2006/relationships" xmlns:mc="http://schemas.openxmlformats.org/markup-compatibility/2006" xmlns:mv="urn:schemas-microsoft-com:mac:vml" xmlns:p="http://schemas.openxmlformats.org/presentationml/2006/main" xmlns:c="http://schemas.openxmlformats.org/drawingml/2006/chart" xmlns:dgm="http://schemas.openxmlformats.org/drawingml/2006/diagram" xmlns:o="urn:schemas-microsoft-com:office:office" xmlns:v="urn:schemas-microsoft-com:vml" xmlns:pvml="urn:schemas-microsoft-com:office:powerpoint" xmlns:com="http://schemas.openxmlformats.org/drawingml/2006/compatibility" xmlns:p14="http://schemas.microsoft.com/office/powerpoint/2010/main" xmlns:p15="http://schemas.microsoft.com/office/powerpoint/2012/main" xmlns:ahyp="http://schemas.microsoft.com/office/drawing/2018/hyperlinkcolor" showMasterPhAnim="0" showMasterSp="0">
-  <p:cSld>
-    <p:spTree>
-      <p:nvGrpSpPr>
-        <p:cNvPr id="130" name="Shape 130"/>
-        <p:cNvGrpSpPr/>
-        <p:nvPr/>
-      </p:nvGrpSpPr>
-      <p:grpSpPr>
-        <a:xfrm>
-          <a:off x="0" y="0"/>
-          <a:ext cx="0" cy="0"/>
-          <a:chOff x="0" y="0"/>
-          <a:chExt cx="0" cy="0"/>
-        </a:xfrm>
-      </p:grpSpPr>
-      <p:sp>
-        <p:nvSpPr>
-          <p:cNvPr id="131" name="Google Shape;131;gb96cc9369e_0_33:notes"/>
-          <p:cNvSpPr/>
-          <p:nvPr>
-            <p:ph idx="2" type="sldImg"/>
-          </p:nvPr>
-        </p:nvSpPr>
-        <p:spPr>
-          <a:xfrm>
-            <a:off x="381300" y="685800"/>
-            <a:ext cx="6096000" cy="3429000"/>
-          </a:xfrm>
-          <a:custGeom>
-            <a:rect b="b" l="l" r="r" t="t"/>
-            <a:pathLst>
-              <a:path extrusionOk="0" h="120000" w="120000">
-                <a:moveTo>
-                  <a:pt x="0" y="0"/>
-                </a:moveTo>
-                <a:lnTo>
-                  <a:pt x="120000" y="0"/>
-                </a:lnTo>
-                <a:lnTo>
-                  <a:pt x="120000" y="120000"/>
-                </a:lnTo>
-                <a:lnTo>
-                  <a:pt x="0" y="120000"/>
-                </a:lnTo>
-                <a:close/>
-              </a:path>
-            </a:pathLst>
-          </a:custGeom>
-        </p:spPr>
-      </p:sp>
-      <p:sp>
-        <p:nvSpPr>
-          <p:cNvPr id="132" name="Google Shape;132;gb96cc9369e_0_33:notes"/>
+          <p:cNvPr id="146" name="Google Shape;146;gb96cc9369e_0_33:notes"/>
           <p:cNvSpPr txBox="1"/>
           <p:nvPr>
             <p:ph idx="1" type="body"/>
@@ -1098,7 +998,7 @@
   <p:cSld>
     <p:spTree>
       <p:nvGrpSpPr>
-        <p:cNvPr id="56" name="Shape 56"/>
+        <p:cNvPr id="57" name="Shape 57"/>
         <p:cNvGrpSpPr/>
         <p:nvPr/>
       </p:nvGrpSpPr>
@@ -1112,7 +1012,7 @@
       </p:grpSpPr>
       <p:sp>
         <p:nvSpPr>
-          <p:cNvPr id="57" name="Google Shape;57;gb878075b01_0_50:notes"/>
+          <p:cNvPr id="58" name="Google Shape;58;gb878075b01_0_45:notes"/>
           <p:cNvSpPr/>
           <p:nvPr>
             <p:ph idx="2" type="sldImg"/>
@@ -1147,7 +1047,7 @@
       </p:sp>
       <p:sp>
         <p:nvSpPr>
-          <p:cNvPr id="58" name="Google Shape;58;gb878075b01_0_50:notes"/>
+          <p:cNvPr id="59" name="Google Shape;59;gb878075b01_0_45:notes"/>
           <p:cNvSpPr txBox="1"/>
           <p:nvPr>
             <p:ph idx="1" type="body"/>
@@ -1197,7 +1097,7 @@
   <p:cSld>
     <p:spTree>
       <p:nvGrpSpPr>
-        <p:cNvPr id="63" name="Shape 63"/>
+        <p:cNvPr id="64" name="Shape 64"/>
         <p:cNvGrpSpPr/>
         <p:nvPr/>
       </p:nvGrpSpPr>
@@ -1211,7 +1111,7 @@
       </p:grpSpPr>
       <p:sp>
         <p:nvSpPr>
-          <p:cNvPr id="64" name="Google Shape;64;gb878075b01_0_45:notes"/>
+          <p:cNvPr id="65" name="Google Shape;65;gb96cc9369e_0_0:notes"/>
           <p:cNvSpPr/>
           <p:nvPr>
             <p:ph idx="2" type="sldImg"/>
@@ -1246,7 +1146,7 @@
       </p:sp>
       <p:sp>
         <p:nvSpPr>
-          <p:cNvPr id="65" name="Google Shape;65;gb878075b01_0_45:notes"/>
+          <p:cNvPr id="66" name="Google Shape;66;gb96cc9369e_0_0:notes"/>
           <p:cNvSpPr txBox="1"/>
           <p:nvPr>
             <p:ph idx="1" type="body"/>
@@ -1296,7 +1196,7 @@
   <p:cSld>
     <p:spTree>
       <p:nvGrpSpPr>
-        <p:cNvPr id="69" name="Shape 69"/>
+        <p:cNvPr id="71" name="Shape 71"/>
         <p:cNvGrpSpPr/>
         <p:nvPr/>
       </p:nvGrpSpPr>
@@ -1310,7 +1210,7 @@
       </p:grpSpPr>
       <p:sp>
         <p:nvSpPr>
-          <p:cNvPr id="70" name="Google Shape;70;gb878075b01_0_61:notes"/>
+          <p:cNvPr id="72" name="Google Shape;72;gc91d9bd2fd_0_10:notes"/>
           <p:cNvSpPr/>
           <p:nvPr>
             <p:ph idx="2" type="sldImg"/>
@@ -1345,7 +1245,7 @@
       </p:sp>
       <p:sp>
         <p:nvSpPr>
-          <p:cNvPr id="71" name="Google Shape;71;gb878075b01_0_61:notes"/>
+          <p:cNvPr id="73" name="Google Shape;73;gc91d9bd2fd_0_10:notes"/>
           <p:cNvSpPr txBox="1"/>
           <p:nvPr>
             <p:ph idx="1" type="body"/>
@@ -1395,7 +1295,7 @@
   <p:cSld>
     <p:spTree>
       <p:nvGrpSpPr>
-        <p:cNvPr id="77" name="Shape 77"/>
+        <p:cNvPr id="80" name="Shape 80"/>
         <p:cNvGrpSpPr/>
         <p:nvPr/>
       </p:nvGrpSpPr>
@@ -1409,7 +1309,7 @@
       </p:grpSpPr>
       <p:sp>
         <p:nvSpPr>
-          <p:cNvPr id="78" name="Google Shape;78;gb878075b01_0_68:notes"/>
+          <p:cNvPr id="81" name="Google Shape;81;gb878075b01_0_61:notes"/>
           <p:cNvSpPr/>
           <p:nvPr>
             <p:ph idx="2" type="sldImg"/>
@@ -1444,7 +1344,7 @@
       </p:sp>
       <p:sp>
         <p:nvSpPr>
-          <p:cNvPr id="79" name="Google Shape;79;gb878075b01_0_68:notes"/>
+          <p:cNvPr id="82" name="Google Shape;82;gb878075b01_0_61:notes"/>
           <p:cNvSpPr txBox="1"/>
           <p:nvPr>
             <p:ph idx="1" type="body"/>
@@ -1494,7 +1394,7 @@
   <p:cSld>
     <p:spTree>
       <p:nvGrpSpPr>
-        <p:cNvPr id="87" name="Shape 87"/>
+        <p:cNvPr id="93" name="Shape 93"/>
         <p:cNvGrpSpPr/>
         <p:nvPr/>
       </p:nvGrpSpPr>
@@ -1508,7 +1408,7 @@
       </p:grpSpPr>
       <p:sp>
         <p:nvSpPr>
-          <p:cNvPr id="88" name="Google Shape;88;gb878075b01_0_77:notes"/>
+          <p:cNvPr id="94" name="Google Shape;94;gc91d9bd2fd_0_29:notes"/>
           <p:cNvSpPr/>
           <p:nvPr>
             <p:ph idx="2" type="sldImg"/>
@@ -1543,7 +1443,7 @@
       </p:sp>
       <p:sp>
         <p:nvSpPr>
-          <p:cNvPr id="89" name="Google Shape;89;gb878075b01_0_77:notes"/>
+          <p:cNvPr id="95" name="Google Shape;95;gc91d9bd2fd_0_29:notes"/>
           <p:cNvSpPr txBox="1"/>
           <p:nvPr>
             <p:ph idx="1" type="body"/>
@@ -1593,7 +1493,7 @@
   <p:cSld>
     <p:spTree>
       <p:nvGrpSpPr>
-        <p:cNvPr id="94" name="Shape 94"/>
+        <p:cNvPr id="101" name="Shape 101"/>
         <p:cNvGrpSpPr/>
         <p:nvPr/>
       </p:nvGrpSpPr>
@@ -1607,7 +1507,7 @@
       </p:grpSpPr>
       <p:sp>
         <p:nvSpPr>
-          <p:cNvPr id="95" name="Google Shape;95;gb96cc9369e_0_0:notes"/>
+          <p:cNvPr id="102" name="Google Shape;102;gc91d9bd2fd_0_0:notes"/>
           <p:cNvSpPr/>
           <p:nvPr>
             <p:ph idx="2" type="sldImg"/>
@@ -1642,7 +1542,7 @@
       </p:sp>
       <p:sp>
         <p:nvSpPr>
-          <p:cNvPr id="96" name="Google Shape;96;gb96cc9369e_0_0:notes"/>
+          <p:cNvPr id="103" name="Google Shape;103;gc91d9bd2fd_0_0:notes"/>
           <p:cNvSpPr txBox="1"/>
           <p:nvPr>
             <p:ph idx="1" type="body"/>
@@ -1692,7 +1592,7 @@
   <p:cSld>
     <p:spTree>
       <p:nvGrpSpPr>
-        <p:cNvPr id="100" name="Shape 100"/>
+        <p:cNvPr id="110" name="Shape 110"/>
         <p:cNvGrpSpPr/>
         <p:nvPr/>
       </p:nvGrpSpPr>
@@ -1706,7 +1606,7 @@
       </p:grpSpPr>
       <p:sp>
         <p:nvSpPr>
-          <p:cNvPr id="101" name="Google Shape;101;gb878075b01_0_56:notes"/>
+          <p:cNvPr id="111" name="Google Shape;111;gb878075b01_0_68:notes"/>
           <p:cNvSpPr/>
           <p:nvPr>
             <p:ph idx="2" type="sldImg"/>
@@ -1741,7 +1641,7 @@
       </p:sp>
       <p:sp>
         <p:nvSpPr>
-          <p:cNvPr id="102" name="Google Shape;102;gb878075b01_0_56:notes"/>
+          <p:cNvPr id="112" name="Google Shape;112;gb878075b01_0_68:notes"/>
           <p:cNvSpPr txBox="1"/>
           <p:nvPr>
             <p:ph idx="1" type="body"/>
@@ -1791,7 +1691,7 @@
   <p:cSld>
     <p:spTree>
       <p:nvGrpSpPr>
-        <p:cNvPr id="106" name="Shape 106"/>
+        <p:cNvPr id="126" name="Shape 126"/>
         <p:cNvGrpSpPr/>
         <p:nvPr/>
       </p:nvGrpSpPr>
@@ -1805,7 +1705,7 @@
       </p:grpSpPr>
       <p:sp>
         <p:nvSpPr>
-          <p:cNvPr id="107" name="Google Shape;107;gb96cc9369e_0_24:notes"/>
+          <p:cNvPr id="127" name="Google Shape;127;gb878075b01_0_77:notes"/>
           <p:cNvSpPr/>
           <p:nvPr>
             <p:ph idx="2" type="sldImg"/>
@@ -1840,7 +1740,7 @@
       </p:sp>
       <p:sp>
         <p:nvSpPr>
-          <p:cNvPr id="108" name="Google Shape;108;gb96cc9369e_0_24:notes"/>
+          <p:cNvPr id="128" name="Google Shape;128;gb878075b01_0_77:notes"/>
           <p:cNvSpPr txBox="1"/>
           <p:nvPr>
             <p:ph idx="1" type="body"/>
@@ -6694,6 +6594,64 @@
           </a:p>
         </p:txBody>
       </p:sp>
+      <p:sp>
+        <p:nvSpPr>
+          <p:cNvPr id="56" name="Google Shape;56;p13"/>
+          <p:cNvSpPr txBox="1"/>
+          <p:nvPr/>
+        </p:nvSpPr>
+        <p:spPr>
+          <a:xfrm>
+            <a:off x="8299200" y="4774200"/>
+            <a:ext cx="844800" cy="369300"/>
+          </a:xfrm>
+          <a:prstGeom prst="rect">
+            <a:avLst/>
+          </a:prstGeom>
+          <a:noFill/>
+          <a:ln>
+            <a:noFill/>
+          </a:ln>
+        </p:spPr>
+        <p:txBody>
+          <a:bodyPr anchorCtr="0" anchor="t" bIns="91425" lIns="91425" spcFirstLastPara="1" rIns="91425" wrap="square" tIns="91425">
+            <a:spAutoFit/>
+          </a:bodyPr>
+          <a:lstStyle/>
+          <a:p>
+            <a:pPr indent="0" lvl="0" marL="0" rtl="0" algn="r">
+              <a:spcBef>
+                <a:spcPts val="0"/>
+              </a:spcBef>
+              <a:spcAft>
+                <a:spcPts val="0"/>
+              </a:spcAft>
+              <a:buNone/>
+            </a:pPr>
+            <a:r>
+              <a:rPr lang="fr" sz="1200">
+                <a:solidFill>
+                  <a:srgbClr val="FFFFFF"/>
+                </a:solidFill>
+              </a:rPr>
+              <a:t>1</a:t>
+            </a:r>
+            <a:r>
+              <a:rPr lang="fr" sz="1200">
+                <a:solidFill>
+                  <a:srgbClr val="FFFFFF"/>
+                </a:solidFill>
+              </a:rPr>
+              <a:t>/11</a:t>
+            </a:r>
+            <a:endParaRPr>
+              <a:solidFill>
+                <a:srgbClr val="FFFFFF"/>
+              </a:solidFill>
+            </a:endParaRPr>
+          </a:p>
+        </p:txBody>
+      </p:sp>
     </p:spTree>
   </p:cSld>
   <p:clrMapOvr>
@@ -6707,7 +6665,7 @@
   <p:cSld>
     <p:spTree>
       <p:nvGrpSpPr>
-        <p:cNvPr id="117" name="Shape 117"/>
+        <p:cNvPr id="138" name="Shape 138"/>
         <p:cNvGrpSpPr/>
         <p:nvPr/>
       </p:nvGrpSpPr>
@@ -6721,7 +6679,7 @@
       </p:grpSpPr>
       <p:sp>
         <p:nvSpPr>
-          <p:cNvPr id="118" name="Google Shape;118;p22"/>
+          <p:cNvPr id="139" name="Google Shape;139;p22"/>
           <p:cNvSpPr txBox="1"/>
           <p:nvPr>
             <p:ph type="title"/>
@@ -6753,7 +6711,7 @@
             </a:pPr>
             <a:r>
               <a:rPr lang="fr"/>
-              <a:t>Analyse d’accessibilité WAVE</a:t>
+              <a:t>Résultats des tests W3C</a:t>
             </a:r>
             <a:endParaRPr/>
           </a:p>
@@ -6761,7 +6719,7 @@
       </p:sp>
       <p:sp>
         <p:nvSpPr>
-          <p:cNvPr id="119" name="Google Shape;119;p22"/>
+          <p:cNvPr id="140" name="Google Shape;140;p22"/>
           <p:cNvSpPr txBox="1"/>
           <p:nvPr>
             <p:ph idx="1" type="body"/>
@@ -6800,7 +6758,7 @@
       </p:sp>
       <p:pic>
         <p:nvPicPr>
-          <p:cNvPr id="120" name="Google Shape;120;p22"/>
+          <p:cNvPr id="141" name="Google Shape;141;p22"/>
           <p:cNvPicPr preferRelativeResize="0"/>
           <p:nvPr/>
         </p:nvPicPr>
@@ -6814,8 +6772,8 @@
         </p:blipFill>
         <p:spPr>
           <a:xfrm>
-            <a:off x="3247699" y="1017725"/>
-            <a:ext cx="2648600" cy="1353925"/>
+            <a:off x="1249570" y="1152475"/>
+            <a:ext cx="6644867" cy="3551150"/>
           </a:xfrm>
           <a:prstGeom prst="rect">
             <a:avLst/>
@@ -6826,24 +6784,16 @@
           </a:ln>
         </p:spPr>
       </p:pic>
-      <p:pic>
-        <p:nvPicPr>
-          <p:cNvPr id="121" name="Google Shape;121;p22"/>
-          <p:cNvPicPr preferRelativeResize="0"/>
+      <p:sp>
+        <p:nvSpPr>
+          <p:cNvPr id="142" name="Google Shape;142;p22"/>
+          <p:cNvSpPr txBox="1"/>
           <p:nvPr/>
-        </p:nvPicPr>
-        <p:blipFill>
-          <a:blip r:embed="rId4">
-            <a:alphaModFix/>
-          </a:blip>
-          <a:stretch>
-            <a:fillRect/>
-          </a:stretch>
-        </p:blipFill>
-        <p:spPr>
-          <a:xfrm>
-            <a:off x="311700" y="1017725"/>
-            <a:ext cx="1941620" cy="3551149"/>
+        </p:nvSpPr>
+        <p:spPr>
+          <a:xfrm>
+            <a:off x="2796450" y="817425"/>
+            <a:ext cx="3551100" cy="400200"/>
           </a:xfrm>
           <a:prstGeom prst="rect">
             <a:avLst/>
@@ -6853,25 +6803,47 @@
             <a:noFill/>
           </a:ln>
         </p:spPr>
-      </p:pic>
-      <p:pic>
-        <p:nvPicPr>
-          <p:cNvPr id="122" name="Google Shape;122;p22"/>
-          <p:cNvPicPr preferRelativeResize="0"/>
+        <p:txBody>
+          <a:bodyPr anchorCtr="0" anchor="t" bIns="91425" lIns="91425" spcFirstLastPara="1" rIns="91425" wrap="square" tIns="91425">
+            <a:spAutoFit/>
+          </a:bodyPr>
+          <a:lstStyle/>
+          <a:p>
+            <a:pPr indent="0" lvl="0" marL="0" rtl="0" algn="ctr">
+              <a:spcBef>
+                <a:spcPts val="0"/>
+              </a:spcBef>
+              <a:spcAft>
+                <a:spcPts val="0"/>
+              </a:spcAft>
+              <a:buNone/>
+            </a:pPr>
+            <a:r>
+              <a:rPr lang="fr">
+                <a:solidFill>
+                  <a:srgbClr val="FFFFFF"/>
+                </a:solidFill>
+              </a:rPr>
+              <a:t>Après</a:t>
+            </a:r>
+            <a:endParaRPr>
+              <a:solidFill>
+                <a:srgbClr val="FFFFFF"/>
+              </a:solidFill>
+            </a:endParaRPr>
+          </a:p>
+        </p:txBody>
+      </p:sp>
+      <p:sp>
+        <p:nvSpPr>
+          <p:cNvPr id="143" name="Google Shape;143;p22"/>
+          <p:cNvSpPr txBox="1"/>
           <p:nvPr/>
-        </p:nvPicPr>
-        <p:blipFill>
-          <a:blip r:embed="rId5">
-            <a:alphaModFix/>
-          </a:blip>
-          <a:stretch>
-            <a:fillRect/>
-          </a:stretch>
-        </p:blipFill>
-        <p:spPr>
-          <a:xfrm>
-            <a:off x="3247699" y="1102999"/>
-            <a:ext cx="2648600" cy="819599"/>
+        </p:nvSpPr>
+        <p:spPr>
+          <a:xfrm>
+            <a:off x="8299200" y="4774200"/>
+            <a:ext cx="844800" cy="369300"/>
           </a:xfrm>
           <a:prstGeom prst="rect">
             <a:avLst/>
@@ -6881,7 +6853,45 @@
             <a:noFill/>
           </a:ln>
         </p:spPr>
-      </p:pic>
+        <p:txBody>
+          <a:bodyPr anchorCtr="0" anchor="t" bIns="91425" lIns="91425" spcFirstLastPara="1" rIns="91425" wrap="square" tIns="91425">
+            <a:spAutoFit/>
+          </a:bodyPr>
+          <a:lstStyle/>
+          <a:p>
+            <a:pPr indent="0" lvl="0" marL="0" rtl="0" algn="r">
+              <a:spcBef>
+                <a:spcPts val="0"/>
+              </a:spcBef>
+              <a:spcAft>
+                <a:spcPts val="0"/>
+              </a:spcAft>
+              <a:buNone/>
+            </a:pPr>
+            <a:r>
+              <a:rPr lang="fr" sz="1200">
+                <a:solidFill>
+                  <a:srgbClr val="FFFFFF"/>
+                </a:solidFill>
+              </a:rPr>
+              <a:t>10</a:t>
+            </a:r>
+            <a:r>
+              <a:rPr lang="fr" sz="1200">
+                <a:solidFill>
+                  <a:srgbClr val="FFFFFF"/>
+                </a:solidFill>
+              </a:rPr>
+              <a:t>/11</a:t>
+            </a:r>
+            <a:endParaRPr>
+              <a:solidFill>
+                <a:srgbClr val="FFFFFF"/>
+              </a:solidFill>
+            </a:endParaRPr>
+          </a:p>
+        </p:txBody>
+      </p:sp>
     </p:spTree>
   </p:cSld>
   <p:clrMapOvr>
@@ -6895,7 +6905,7 @@
   <p:cSld>
     <p:spTree>
       <p:nvGrpSpPr>
-        <p:cNvPr id="126" name="Shape 126"/>
+        <p:cNvPr id="147" name="Shape 147"/>
         <p:cNvGrpSpPr/>
         <p:nvPr/>
       </p:nvGrpSpPr>
@@ -6909,139 +6919,7 @@
       </p:grpSpPr>
       <p:sp>
         <p:nvSpPr>
-          <p:cNvPr id="127" name="Google Shape;127;p23"/>
-          <p:cNvSpPr txBox="1"/>
-          <p:nvPr>
-            <p:ph type="title"/>
-          </p:nvPr>
-        </p:nvSpPr>
-        <p:spPr>
-          <a:xfrm>
-            <a:off x="311700" y="445025"/>
-            <a:ext cx="8520600" cy="572700"/>
-          </a:xfrm>
-          <a:prstGeom prst="rect">
-            <a:avLst/>
-          </a:prstGeom>
-        </p:spPr>
-        <p:txBody>
-          <a:bodyPr anchorCtr="0" anchor="t" bIns="91425" lIns="91425" spcFirstLastPara="1" rIns="91425" wrap="square" tIns="91425">
-            <a:normAutofit fontScale="90000"/>
-          </a:bodyPr>
-          <a:lstStyle/>
-          <a:p>
-            <a:pPr indent="0" lvl="0" marL="0" rtl="0" algn="l">
-              <a:spcBef>
-                <a:spcPts val="0"/>
-              </a:spcBef>
-              <a:spcAft>
-                <a:spcPts val="0"/>
-              </a:spcAft>
-              <a:buNone/>
-            </a:pPr>
-            <a:r>
-              <a:rPr lang="fr"/>
-              <a:t>Résultats des tests W3C</a:t>
-            </a:r>
-            <a:endParaRPr/>
-          </a:p>
-        </p:txBody>
-      </p:sp>
-      <p:sp>
-        <p:nvSpPr>
-          <p:cNvPr id="128" name="Google Shape;128;p23"/>
-          <p:cNvSpPr txBox="1"/>
-          <p:nvPr>
-            <p:ph idx="1" type="body"/>
-          </p:nvPr>
-        </p:nvSpPr>
-        <p:spPr>
-          <a:xfrm>
-            <a:off x="311700" y="1152475"/>
-            <a:ext cx="8520600" cy="3416400"/>
-          </a:xfrm>
-          <a:prstGeom prst="rect">
-            <a:avLst/>
-          </a:prstGeom>
-        </p:spPr>
-        <p:txBody>
-          <a:bodyPr anchorCtr="0" anchor="t" bIns="91425" lIns="91425" spcFirstLastPara="1" rIns="91425" wrap="square" tIns="91425">
-            <a:normAutofit/>
-          </a:bodyPr>
-          <a:lstStyle/>
-          <a:p>
-            <a:pPr indent="0" lvl="0" marL="0" rtl="0" algn="l">
-              <a:spcBef>
-                <a:spcPts val="0"/>
-              </a:spcBef>
-              <a:spcAft>
-                <a:spcPts val="1200"/>
-              </a:spcAft>
-              <a:buNone/>
-            </a:pPr>
-            <a:r>
-              <a:t/>
-            </a:r>
-            <a:endParaRPr/>
-          </a:p>
-        </p:txBody>
-      </p:sp>
-      <p:pic>
-        <p:nvPicPr>
-          <p:cNvPr id="129" name="Google Shape;129;p23"/>
-          <p:cNvPicPr preferRelativeResize="0"/>
-          <p:nvPr/>
-        </p:nvPicPr>
-        <p:blipFill>
-          <a:blip r:embed="rId3">
-            <a:alphaModFix/>
-          </a:blip>
-          <a:stretch>
-            <a:fillRect/>
-          </a:stretch>
-        </p:blipFill>
-        <p:spPr>
-          <a:xfrm>
-            <a:off x="1249570" y="1017725"/>
-            <a:ext cx="6644867" cy="3551150"/>
-          </a:xfrm>
-          <a:prstGeom prst="rect">
-            <a:avLst/>
-          </a:prstGeom>
-          <a:noFill/>
-          <a:ln>
-            <a:noFill/>
-          </a:ln>
-        </p:spPr>
-      </p:pic>
-    </p:spTree>
-  </p:cSld>
-  <p:clrMapOvr>
-    <a:masterClrMapping/>
-  </p:clrMapOvr>
-</p:sld>
-</file>
-
-<file path=ppt/slides/slide12.xml><?xml version="1.0" encoding="utf-8"?>
-<p:sld xmlns:a="http://schemas.openxmlformats.org/drawingml/2006/main" xmlns:r="http://schemas.openxmlformats.org/officeDocument/2006/relationships" xmlns:mc="http://schemas.openxmlformats.org/markup-compatibility/2006" xmlns:mv="urn:schemas-microsoft-com:mac:vml" xmlns:p="http://schemas.openxmlformats.org/presentationml/2006/main" xmlns:c="http://schemas.openxmlformats.org/drawingml/2006/chart" xmlns:dgm="http://schemas.openxmlformats.org/drawingml/2006/diagram" xmlns:o="urn:schemas-microsoft-com:office:office" xmlns:v="urn:schemas-microsoft-com:vml" xmlns:pvml="urn:schemas-microsoft-com:office:powerpoint" xmlns:com="http://schemas.openxmlformats.org/drawingml/2006/compatibility" xmlns:p14="http://schemas.microsoft.com/office/powerpoint/2010/main" xmlns:p15="http://schemas.microsoft.com/office/powerpoint/2012/main" xmlns:ahyp="http://schemas.microsoft.com/office/drawing/2018/hyperlinkcolor">
-  <p:cSld>
-    <p:spTree>
-      <p:nvGrpSpPr>
-        <p:cNvPr id="133" name="Shape 133"/>
-        <p:cNvGrpSpPr/>
-        <p:nvPr/>
-      </p:nvGrpSpPr>
-      <p:grpSpPr>
-        <a:xfrm>
-          <a:off x="0" y="0"/>
-          <a:ext cx="0" cy="0"/>
-          <a:chOff x="0" y="0"/>
-          <a:chExt cx="0" cy="0"/>
-        </a:xfrm>
-      </p:grpSpPr>
-      <p:sp>
-        <p:nvSpPr>
-          <p:cNvPr id="134" name="Google Shape;134;p24"/>
+          <p:cNvPr id="148" name="Google Shape;148;p23"/>
           <p:cNvSpPr txBox="1"/>
           <p:nvPr>
             <p:ph type="title"/>
@@ -7081,7 +6959,7 @@
       </p:sp>
       <p:sp>
         <p:nvSpPr>
-          <p:cNvPr id="135" name="Google Shape;135;p24"/>
+          <p:cNvPr id="149" name="Google Shape;149;p23"/>
           <p:cNvSpPr txBox="1"/>
           <p:nvPr>
             <p:ph idx="1" type="body"/>
@@ -7134,6 +7012,64 @@
               <a:t>Objectifs atteints</a:t>
             </a:r>
             <a:endParaRPr/>
+          </a:p>
+        </p:txBody>
+      </p:sp>
+      <p:sp>
+        <p:nvSpPr>
+          <p:cNvPr id="150" name="Google Shape;150;p23"/>
+          <p:cNvSpPr txBox="1"/>
+          <p:nvPr/>
+        </p:nvSpPr>
+        <p:spPr>
+          <a:xfrm>
+            <a:off x="8299200" y="4774200"/>
+            <a:ext cx="844800" cy="369300"/>
+          </a:xfrm>
+          <a:prstGeom prst="rect">
+            <a:avLst/>
+          </a:prstGeom>
+          <a:noFill/>
+          <a:ln>
+            <a:noFill/>
+          </a:ln>
+        </p:spPr>
+        <p:txBody>
+          <a:bodyPr anchorCtr="0" anchor="t" bIns="91425" lIns="91425" spcFirstLastPara="1" rIns="91425" wrap="square" tIns="91425">
+            <a:spAutoFit/>
+          </a:bodyPr>
+          <a:lstStyle/>
+          <a:p>
+            <a:pPr indent="0" lvl="0" marL="0" rtl="0" algn="r">
+              <a:spcBef>
+                <a:spcPts val="0"/>
+              </a:spcBef>
+              <a:spcAft>
+                <a:spcPts val="0"/>
+              </a:spcAft>
+              <a:buNone/>
+            </a:pPr>
+            <a:r>
+              <a:rPr lang="fr" sz="1200">
+                <a:solidFill>
+                  <a:srgbClr val="FFFFFF"/>
+                </a:solidFill>
+              </a:rPr>
+              <a:t>11</a:t>
+            </a:r>
+            <a:r>
+              <a:rPr lang="fr" sz="1200">
+                <a:solidFill>
+                  <a:srgbClr val="FFFFFF"/>
+                </a:solidFill>
+              </a:rPr>
+              <a:t>/11</a:t>
+            </a:r>
+            <a:endParaRPr>
+              <a:solidFill>
+                <a:srgbClr val="FFFFFF"/>
+              </a:solidFill>
+            </a:endParaRPr>
           </a:p>
         </p:txBody>
       </p:sp>
@@ -7150,7 +7086,7 @@
   <p:cSld>
     <p:spTree>
       <p:nvGrpSpPr>
-        <p:cNvPr id="59" name="Shape 59"/>
+        <p:cNvPr id="60" name="Shape 60"/>
         <p:cNvGrpSpPr/>
         <p:nvPr/>
       </p:nvGrpSpPr>
@@ -7164,7 +7100,7 @@
       </p:grpSpPr>
       <p:sp>
         <p:nvSpPr>
-          <p:cNvPr id="60" name="Google Shape;60;p14"/>
+          <p:cNvPr id="61" name="Google Shape;61;p14"/>
           <p:cNvSpPr txBox="1"/>
           <p:nvPr>
             <p:ph type="title"/>
@@ -7196,47 +7132,7 @@
             </a:pPr>
             <a:r>
               <a:rPr lang="fr"/>
-              <a:t>Plan de présentation</a:t>
-            </a:r>
-            <a:endParaRPr/>
-          </a:p>
-        </p:txBody>
-      </p:sp>
-      <p:sp>
-        <p:nvSpPr>
-          <p:cNvPr id="61" name="Google Shape;61;p14"/>
-          <p:cNvSpPr txBox="1"/>
-          <p:nvPr>
-            <p:ph idx="1" type="body"/>
-          </p:nvPr>
-        </p:nvSpPr>
-        <p:spPr>
-          <a:xfrm>
-            <a:off x="311700" y="1152475"/>
-            <a:ext cx="3999900" cy="3416400"/>
-          </a:xfrm>
-          <a:prstGeom prst="rect">
-            <a:avLst/>
-          </a:prstGeom>
-        </p:spPr>
-        <p:txBody>
-          <a:bodyPr anchorCtr="0" anchor="t" bIns="91425" lIns="91425" spcFirstLastPara="1" rIns="91425" wrap="square" tIns="91425">
-            <a:normAutofit/>
-          </a:bodyPr>
-          <a:lstStyle/>
-          <a:p>
-            <a:pPr indent="0" lvl="0" marL="0" rtl="0" algn="l">
-              <a:spcBef>
-                <a:spcPts val="0"/>
-              </a:spcBef>
-              <a:spcAft>
-                <a:spcPts val="1200"/>
-              </a:spcAft>
-              <a:buNone/>
-            </a:pPr>
-            <a:r>
-              <a:rPr lang="fr"/>
-              <a:t>Partie I : Audit du site de départ</a:t>
+              <a:t>Audit du site de départ</a:t>
             </a:r>
             <a:endParaRPr/>
           </a:p>
@@ -7247,13 +7143,13 @@
           <p:cNvPr id="62" name="Google Shape;62;p14"/>
           <p:cNvSpPr txBox="1"/>
           <p:nvPr>
-            <p:ph idx="2" type="body"/>
+            <p:ph idx="1" type="body"/>
           </p:nvPr>
         </p:nvSpPr>
         <p:spPr>
           <a:xfrm>
-            <a:off x="4832400" y="1152475"/>
-            <a:ext cx="3999900" cy="3416400"/>
+            <a:off x="311700" y="1152475"/>
+            <a:ext cx="8520600" cy="3416400"/>
           </a:xfrm>
           <a:prstGeom prst="rect">
             <a:avLst/>
@@ -7265,20 +7161,113 @@
           </a:bodyPr>
           <a:lstStyle/>
           <a:p>
-            <a:pPr indent="0" lvl="0" marL="0" rtl="0" algn="l">
-              <a:spcBef>
-                <a:spcPts val="0"/>
-              </a:spcBef>
-              <a:spcAft>
-                <a:spcPts val="1200"/>
-              </a:spcAft>
-              <a:buNone/>
+            <a:pPr indent="-342900" lvl="0" marL="457200" rtl="0" algn="l">
+              <a:spcBef>
+                <a:spcPts val="0"/>
+              </a:spcBef>
+              <a:spcAft>
+                <a:spcPts val="0"/>
+              </a:spcAft>
+              <a:buSzPts val="1800"/>
+              <a:buChar char="-"/>
             </a:pPr>
             <a:r>
               <a:rPr lang="fr"/>
-              <a:t>Partie II : Améliorations apportées et résultats</a:t>
+              <a:t>Performances actuelles</a:t>
             </a:r>
             <a:endParaRPr/>
+          </a:p>
+          <a:p>
+            <a:pPr indent="-342900" lvl="0" marL="457200" rtl="0" algn="l">
+              <a:spcBef>
+                <a:spcPts val="0"/>
+              </a:spcBef>
+              <a:spcAft>
+                <a:spcPts val="0"/>
+              </a:spcAft>
+              <a:buSzPts val="1800"/>
+              <a:buChar char="-"/>
+            </a:pPr>
+            <a:r>
+              <a:rPr lang="fr"/>
+              <a:t>Relevé des problèmes de SEO et d’accessibilité</a:t>
+            </a:r>
+            <a:endParaRPr/>
+          </a:p>
+          <a:p>
+            <a:pPr indent="-342900" lvl="0" marL="457200" rtl="0" algn="l">
+              <a:spcBef>
+                <a:spcPts val="0"/>
+              </a:spcBef>
+              <a:spcAft>
+                <a:spcPts val="0"/>
+              </a:spcAft>
+              <a:buSzPts val="1800"/>
+              <a:buChar char="-"/>
+            </a:pPr>
+            <a:r>
+              <a:rPr lang="fr"/>
+              <a:t>Choix de 10 problèmes à corriger en priorité</a:t>
+            </a:r>
+            <a:endParaRPr/>
+          </a:p>
+        </p:txBody>
+      </p:sp>
+      <p:sp>
+        <p:nvSpPr>
+          <p:cNvPr id="63" name="Google Shape;63;p14"/>
+          <p:cNvSpPr txBox="1"/>
+          <p:nvPr/>
+        </p:nvSpPr>
+        <p:spPr>
+          <a:xfrm>
+            <a:off x="8299200" y="4774200"/>
+            <a:ext cx="844800" cy="369300"/>
+          </a:xfrm>
+          <a:prstGeom prst="rect">
+            <a:avLst/>
+          </a:prstGeom>
+          <a:noFill/>
+          <a:ln>
+            <a:noFill/>
+          </a:ln>
+        </p:spPr>
+        <p:txBody>
+          <a:bodyPr anchorCtr="0" anchor="t" bIns="91425" lIns="91425" spcFirstLastPara="1" rIns="91425" wrap="square" tIns="91425">
+            <a:spAutoFit/>
+          </a:bodyPr>
+          <a:lstStyle/>
+          <a:p>
+            <a:pPr indent="0" lvl="0" marL="0" rtl="0" algn="r">
+              <a:spcBef>
+                <a:spcPts val="0"/>
+              </a:spcBef>
+              <a:spcAft>
+                <a:spcPts val="0"/>
+              </a:spcAft>
+              <a:buNone/>
+            </a:pPr>
+            <a:r>
+              <a:rPr lang="fr" sz="1200">
+                <a:solidFill>
+                  <a:srgbClr val="FFFFFF"/>
+                </a:solidFill>
+              </a:rPr>
+              <a:t>2</a:t>
+            </a:r>
+            <a:r>
+              <a:rPr lang="fr" sz="1200">
+                <a:solidFill>
+                  <a:srgbClr val="FFFFFF"/>
+                </a:solidFill>
+              </a:rPr>
+              <a:t>/11</a:t>
+            </a:r>
+            <a:endParaRPr>
+              <a:solidFill>
+                <a:srgbClr val="FFFFFF"/>
+              </a:solidFill>
+            </a:endParaRPr>
           </a:p>
         </p:txBody>
       </p:sp>
@@ -7295,7 +7284,7 @@
   <p:cSld>
     <p:spTree>
       <p:nvGrpSpPr>
-        <p:cNvPr id="66" name="Shape 66"/>
+        <p:cNvPr id="67" name="Shape 67"/>
         <p:cNvGrpSpPr/>
         <p:nvPr/>
       </p:nvGrpSpPr>
@@ -7309,7 +7298,7 @@
       </p:grpSpPr>
       <p:sp>
         <p:nvSpPr>
-          <p:cNvPr id="67" name="Google Shape;67;p15"/>
+          <p:cNvPr id="68" name="Google Shape;68;p15"/>
           <p:cNvSpPr txBox="1"/>
           <p:nvPr>
             <p:ph type="title"/>
@@ -7341,7 +7330,7 @@
             </a:pPr>
             <a:r>
               <a:rPr lang="fr"/>
-              <a:t>Audit du site de départ</a:t>
+              <a:t>10 problèmes majeurs à corriger</a:t>
             </a:r>
             <a:endParaRPr/>
           </a:p>
@@ -7349,7 +7338,7 @@
       </p:sp>
       <p:sp>
         <p:nvSpPr>
-          <p:cNvPr id="68" name="Google Shape;68;p15"/>
+          <p:cNvPr id="69" name="Google Shape;69;p15"/>
           <p:cNvSpPr txBox="1"/>
           <p:nvPr>
             <p:ph idx="1" type="body"/>
@@ -7382,7 +7371,7 @@
             </a:pPr>
             <a:r>
               <a:rPr lang="fr"/>
-              <a:t>Performances actuelles</a:t>
+              <a:t>Langue du document html</a:t>
             </a:r>
             <a:endParaRPr/>
           </a:p>
@@ -7399,7 +7388,7 @@
             </a:pPr>
             <a:r>
               <a:rPr lang="fr"/>
-              <a:t>Relevé des problèmes de SEO et d’accessibilité</a:t>
+              <a:t>Titre de la page </a:t>
             </a:r>
             <a:endParaRPr/>
           </a:p>
@@ -7416,9 +7405,186 @@
             </a:pPr>
             <a:r>
               <a:rPr lang="fr"/>
-              <a:t>Choix de 10 problèmes à corriger en priorité</a:t>
+              <a:t>Contraste de la page</a:t>
             </a:r>
             <a:endParaRPr/>
+          </a:p>
+          <a:p>
+            <a:pPr indent="-342900" lvl="0" marL="457200" rtl="0" algn="l">
+              <a:spcBef>
+                <a:spcPts val="0"/>
+              </a:spcBef>
+              <a:spcAft>
+                <a:spcPts val="0"/>
+              </a:spcAft>
+              <a:buSzPts val="1800"/>
+              <a:buChar char="-"/>
+            </a:pPr>
+            <a:r>
+              <a:rPr lang="fr"/>
+              <a:t>Liens des fichiers sur la page de contact</a:t>
+            </a:r>
+            <a:endParaRPr/>
+          </a:p>
+          <a:p>
+            <a:pPr indent="-342900" lvl="0" marL="457200" rtl="0" algn="l">
+              <a:spcBef>
+                <a:spcPts val="0"/>
+              </a:spcBef>
+              <a:spcAft>
+                <a:spcPts val="0"/>
+              </a:spcAft>
+              <a:buSzPts val="1800"/>
+              <a:buChar char="-"/>
+            </a:pPr>
+            <a:r>
+              <a:rPr lang="fr"/>
+              <a:t>Attributs alts des images</a:t>
+            </a:r>
+            <a:endParaRPr/>
+          </a:p>
+          <a:p>
+            <a:pPr indent="-342900" lvl="0" marL="457200" rtl="0" algn="l">
+              <a:spcBef>
+                <a:spcPts val="0"/>
+              </a:spcBef>
+              <a:spcAft>
+                <a:spcPts val="0"/>
+              </a:spcAft>
+              <a:buSzPts val="1800"/>
+              <a:buChar char="-"/>
+            </a:pPr>
+            <a:r>
+              <a:rPr lang="fr"/>
+              <a:t>IDs peu/non significatifs</a:t>
+            </a:r>
+            <a:endParaRPr/>
+          </a:p>
+          <a:p>
+            <a:pPr indent="-342900" lvl="0" marL="457200" rtl="0" algn="l">
+              <a:spcBef>
+                <a:spcPts val="0"/>
+              </a:spcBef>
+              <a:spcAft>
+                <a:spcPts val="0"/>
+              </a:spcAft>
+              <a:buSzPts val="1800"/>
+              <a:buChar char="-"/>
+            </a:pPr>
+            <a:r>
+              <a:rPr lang="fr"/>
+              <a:t>Textes superflus</a:t>
+            </a:r>
+            <a:endParaRPr/>
+          </a:p>
+          <a:p>
+            <a:pPr indent="-342900" lvl="0" marL="457200" rtl="0" algn="l">
+              <a:spcBef>
+                <a:spcPts val="0"/>
+              </a:spcBef>
+              <a:spcAft>
+                <a:spcPts val="0"/>
+              </a:spcAft>
+              <a:buSzPts val="1800"/>
+              <a:buChar char="-"/>
+            </a:pPr>
+            <a:r>
+              <a:rPr lang="fr"/>
+              <a:t>Absence de balises section</a:t>
+            </a:r>
+            <a:endParaRPr/>
+          </a:p>
+          <a:p>
+            <a:pPr indent="-342900" lvl="0" marL="457200" rtl="0" algn="l">
+              <a:spcBef>
+                <a:spcPts val="0"/>
+              </a:spcBef>
+              <a:spcAft>
+                <a:spcPts val="0"/>
+              </a:spcAft>
+              <a:buSzPts val="1800"/>
+              <a:buChar char="-"/>
+            </a:pPr>
+            <a:r>
+              <a:rPr lang="fr"/>
+              <a:t>Balise description vide</a:t>
+            </a:r>
+            <a:endParaRPr/>
+          </a:p>
+          <a:p>
+            <a:pPr indent="-342900" lvl="0" marL="457200" rtl="0" algn="l">
+              <a:spcBef>
+                <a:spcPts val="0"/>
+              </a:spcBef>
+              <a:spcAft>
+                <a:spcPts val="0"/>
+              </a:spcAft>
+              <a:buSzPts val="1800"/>
+              <a:buChar char="-"/>
+            </a:pPr>
+            <a:r>
+              <a:rPr lang="fr"/>
+              <a:t>Images comportant uniquement du texte</a:t>
+            </a:r>
+            <a:endParaRPr/>
+          </a:p>
+        </p:txBody>
+      </p:sp>
+      <p:sp>
+        <p:nvSpPr>
+          <p:cNvPr id="70" name="Google Shape;70;p15"/>
+          <p:cNvSpPr txBox="1"/>
+          <p:nvPr/>
+        </p:nvSpPr>
+        <p:spPr>
+          <a:xfrm>
+            <a:off x="8299200" y="4774200"/>
+            <a:ext cx="844800" cy="369300"/>
+          </a:xfrm>
+          <a:prstGeom prst="rect">
+            <a:avLst/>
+          </a:prstGeom>
+          <a:noFill/>
+          <a:ln>
+            <a:noFill/>
+          </a:ln>
+        </p:spPr>
+        <p:txBody>
+          <a:bodyPr anchorCtr="0" anchor="t" bIns="91425" lIns="91425" spcFirstLastPara="1" rIns="91425" wrap="square" tIns="91425">
+            <a:spAutoFit/>
+          </a:bodyPr>
+          <a:lstStyle/>
+          <a:p>
+            <a:pPr indent="0" lvl="0" marL="0" rtl="0" algn="r">
+              <a:spcBef>
+                <a:spcPts val="0"/>
+              </a:spcBef>
+              <a:spcAft>
+                <a:spcPts val="0"/>
+              </a:spcAft>
+              <a:buNone/>
+            </a:pPr>
+            <a:r>
+              <a:rPr lang="fr" sz="1200">
+                <a:solidFill>
+                  <a:srgbClr val="FFFFFF"/>
+                </a:solidFill>
+              </a:rPr>
+              <a:t>3</a:t>
+            </a:r>
+            <a:r>
+              <a:rPr lang="fr" sz="1200">
+                <a:solidFill>
+                  <a:srgbClr val="FFFFFF"/>
+                </a:solidFill>
+              </a:rPr>
+              <a:t>/11</a:t>
+            </a:r>
+            <a:endParaRPr>
+              <a:solidFill>
+                <a:srgbClr val="FFFFFF"/>
+              </a:solidFill>
+            </a:endParaRPr>
           </a:p>
         </p:txBody>
       </p:sp>
@@ -7435,7 +7601,7 @@
   <p:cSld>
     <p:spTree>
       <p:nvGrpSpPr>
-        <p:cNvPr id="72" name="Shape 72"/>
+        <p:cNvPr id="74" name="Shape 74"/>
         <p:cNvGrpSpPr/>
         <p:nvPr/>
       </p:nvGrpSpPr>
@@ -7449,7 +7615,7 @@
       </p:grpSpPr>
       <p:sp>
         <p:nvSpPr>
-          <p:cNvPr id="73" name="Google Shape;73;p16"/>
+          <p:cNvPr id="75" name="Google Shape;75;p16"/>
           <p:cNvSpPr txBox="1"/>
           <p:nvPr>
             <p:ph type="title"/>
@@ -7481,7 +7647,26 @@
             </a:pPr>
             <a:r>
               <a:rPr lang="fr"/>
+              <a:t>Infos </a:t>
+            </a:r>
+            <a:r>
+              <a:rPr lang="fr"/>
               <a:t>Scores Google PageSpeed Insights</a:t>
+            </a:r>
+            <a:endParaRPr/>
+          </a:p>
+          <a:p>
+            <a:pPr indent="0" lvl="0" marL="0" rtl="0" algn="l">
+              <a:spcBef>
+                <a:spcPts val="0"/>
+              </a:spcBef>
+              <a:spcAft>
+                <a:spcPts val="0"/>
+              </a:spcAft>
+              <a:buNone/>
+            </a:pPr>
+            <a:r>
+              <a:t/>
             </a:r>
             <a:endParaRPr/>
           </a:p>
@@ -7489,7 +7674,7 @@
       </p:sp>
       <p:sp>
         <p:nvSpPr>
-          <p:cNvPr id="74" name="Google Shape;74;p16"/>
+          <p:cNvPr id="76" name="Google Shape;76;p16"/>
           <p:cNvSpPr txBox="1"/>
           <p:nvPr>
             <p:ph idx="1" type="body"/>
@@ -7528,7 +7713,7 @@
       </p:sp>
       <p:pic>
         <p:nvPicPr>
-          <p:cNvPr id="75" name="Google Shape;75;p16"/>
+          <p:cNvPr id="77" name="Google Shape;77;p16"/>
           <p:cNvPicPr preferRelativeResize="0"/>
           <p:nvPr/>
         </p:nvPicPr>
@@ -7542,8 +7727,8 @@
         </p:blipFill>
         <p:spPr>
           <a:xfrm>
-            <a:off x="2286000" y="1017728"/>
-            <a:ext cx="4572000" cy="1934025"/>
+            <a:off x="311691" y="1017725"/>
+            <a:ext cx="4776109" cy="3551151"/>
           </a:xfrm>
           <a:prstGeom prst="rect">
             <a:avLst/>
@@ -7556,7 +7741,7 @@
       </p:pic>
       <p:pic>
         <p:nvPicPr>
-          <p:cNvPr id="76" name="Google Shape;76;p16"/>
+          <p:cNvPr id="78" name="Google Shape;78;p16"/>
           <p:cNvPicPr preferRelativeResize="0"/>
           <p:nvPr/>
         </p:nvPicPr>
@@ -7570,8 +7755,8 @@
         </p:blipFill>
         <p:spPr>
           <a:xfrm>
-            <a:off x="2286000" y="2951753"/>
-            <a:ext cx="4572000" cy="1934025"/>
+            <a:off x="5087800" y="2325238"/>
+            <a:ext cx="3744499" cy="936125"/>
           </a:xfrm>
           <a:prstGeom prst="rect">
             <a:avLst/>
@@ -7582,6 +7767,64 @@
           </a:ln>
         </p:spPr>
       </p:pic>
+      <p:sp>
+        <p:nvSpPr>
+          <p:cNvPr id="79" name="Google Shape;79;p16"/>
+          <p:cNvSpPr txBox="1"/>
+          <p:nvPr/>
+        </p:nvSpPr>
+        <p:spPr>
+          <a:xfrm>
+            <a:off x="8299200" y="4774200"/>
+            <a:ext cx="844800" cy="369300"/>
+          </a:xfrm>
+          <a:prstGeom prst="rect">
+            <a:avLst/>
+          </a:prstGeom>
+          <a:noFill/>
+          <a:ln>
+            <a:noFill/>
+          </a:ln>
+        </p:spPr>
+        <p:txBody>
+          <a:bodyPr anchorCtr="0" anchor="t" bIns="91425" lIns="91425" spcFirstLastPara="1" rIns="91425" wrap="square" tIns="91425">
+            <a:spAutoFit/>
+          </a:bodyPr>
+          <a:lstStyle/>
+          <a:p>
+            <a:pPr indent="0" lvl="0" marL="0" rtl="0" algn="r">
+              <a:spcBef>
+                <a:spcPts val="0"/>
+              </a:spcBef>
+              <a:spcAft>
+                <a:spcPts val="0"/>
+              </a:spcAft>
+              <a:buNone/>
+            </a:pPr>
+            <a:r>
+              <a:rPr lang="fr" sz="1200">
+                <a:solidFill>
+                  <a:srgbClr val="FFFFFF"/>
+                </a:solidFill>
+              </a:rPr>
+              <a:t>4</a:t>
+            </a:r>
+            <a:r>
+              <a:rPr lang="fr" sz="1200">
+                <a:solidFill>
+                  <a:srgbClr val="FFFFFF"/>
+                </a:solidFill>
+              </a:rPr>
+              <a:t>/11</a:t>
+            </a:r>
+            <a:endParaRPr>
+              <a:solidFill>
+                <a:srgbClr val="FFFFFF"/>
+              </a:solidFill>
+            </a:endParaRPr>
+          </a:p>
+        </p:txBody>
+      </p:sp>
     </p:spTree>
   </p:cSld>
   <p:clrMapOvr>
@@ -7595,7 +7838,7 @@
   <p:cSld>
     <p:spTree>
       <p:nvGrpSpPr>
-        <p:cNvPr id="80" name="Shape 80"/>
+        <p:cNvPr id="83" name="Shape 83"/>
         <p:cNvGrpSpPr/>
         <p:nvPr/>
       </p:nvGrpSpPr>
@@ -7609,7 +7852,7 @@
       </p:grpSpPr>
       <p:sp>
         <p:nvSpPr>
-          <p:cNvPr id="81" name="Google Shape;81;p17"/>
+          <p:cNvPr id="84" name="Google Shape;84;p17"/>
           <p:cNvSpPr txBox="1"/>
           <p:nvPr>
             <p:ph type="title"/>
@@ -7641,7 +7884,7 @@
             </a:pPr>
             <a:r>
               <a:rPr lang="fr"/>
-              <a:t>Analyse d’accessibilité WAVE</a:t>
+              <a:t>Scores Google PageSpeed Insights</a:t>
             </a:r>
             <a:endParaRPr/>
           </a:p>
@@ -7649,7 +7892,7 @@
       </p:sp>
       <p:sp>
         <p:nvSpPr>
-          <p:cNvPr id="82" name="Google Shape;82;p17"/>
+          <p:cNvPr id="85" name="Google Shape;85;p17"/>
           <p:cNvSpPr txBox="1"/>
           <p:nvPr>
             <p:ph idx="1" type="body"/>
@@ -7688,7 +7931,7 @@
       </p:sp>
       <p:pic>
         <p:nvPicPr>
-          <p:cNvPr id="83" name="Google Shape;83;p17"/>
+          <p:cNvPr id="86" name="Google Shape;86;p17"/>
           <p:cNvPicPr preferRelativeResize="0"/>
           <p:nvPr/>
         </p:nvPicPr>
@@ -7702,8 +7945,8 @@
         </p:blipFill>
         <p:spPr>
           <a:xfrm>
-            <a:off x="311700" y="1017725"/>
-            <a:ext cx="2041528" cy="3551150"/>
+            <a:off x="311700" y="1284329"/>
+            <a:ext cx="4260298" cy="1802172"/>
           </a:xfrm>
           <a:prstGeom prst="rect">
             <a:avLst/>
@@ -7716,7 +7959,7 @@
       </p:pic>
       <p:pic>
         <p:nvPicPr>
-          <p:cNvPr id="84" name="Google Shape;84;p17"/>
+          <p:cNvPr id="87" name="Google Shape;87;p17"/>
           <p:cNvPicPr preferRelativeResize="0"/>
           <p:nvPr/>
         </p:nvPicPr>
@@ -7730,8 +7973,8 @@
         </p:blipFill>
         <p:spPr>
           <a:xfrm>
-            <a:off x="3247699" y="1017725"/>
-            <a:ext cx="2648600" cy="1353925"/>
+            <a:off x="311700" y="3081238"/>
+            <a:ext cx="4260308" cy="1802176"/>
           </a:xfrm>
           <a:prstGeom prst="rect">
             <a:avLst/>
@@ -7742,9 +7985,109 @@
           </a:ln>
         </p:spPr>
       </p:pic>
+      <p:sp>
+        <p:nvSpPr>
+          <p:cNvPr id="88" name="Google Shape;88;p17"/>
+          <p:cNvSpPr txBox="1"/>
+          <p:nvPr/>
+        </p:nvSpPr>
+        <p:spPr>
+          <a:xfrm>
+            <a:off x="307350" y="884125"/>
+            <a:ext cx="4269000" cy="400200"/>
+          </a:xfrm>
+          <a:prstGeom prst="rect">
+            <a:avLst/>
+          </a:prstGeom>
+          <a:noFill/>
+          <a:ln>
+            <a:noFill/>
+          </a:ln>
+        </p:spPr>
+        <p:txBody>
+          <a:bodyPr anchorCtr="0" anchor="t" bIns="91425" lIns="91425" spcFirstLastPara="1" rIns="91425" wrap="square" tIns="91425">
+            <a:spAutoFit/>
+          </a:bodyPr>
+          <a:lstStyle/>
+          <a:p>
+            <a:pPr indent="0" lvl="0" marL="0" rtl="0" algn="ctr">
+              <a:spcBef>
+                <a:spcPts val="0"/>
+              </a:spcBef>
+              <a:spcAft>
+                <a:spcPts val="0"/>
+              </a:spcAft>
+              <a:buNone/>
+            </a:pPr>
+            <a:r>
+              <a:rPr lang="fr">
+                <a:solidFill>
+                  <a:srgbClr val="FFFFFF"/>
+                </a:solidFill>
+              </a:rPr>
+              <a:t>Avant</a:t>
+            </a:r>
+            <a:endParaRPr>
+              <a:solidFill>
+                <a:srgbClr val="FFFFFF"/>
+              </a:solidFill>
+            </a:endParaRPr>
+          </a:p>
+        </p:txBody>
+      </p:sp>
+      <p:sp>
+        <p:nvSpPr>
+          <p:cNvPr id="89" name="Google Shape;89;p17"/>
+          <p:cNvSpPr txBox="1"/>
+          <p:nvPr/>
+        </p:nvSpPr>
+        <p:spPr>
+          <a:xfrm>
+            <a:off x="4568425" y="884125"/>
+            <a:ext cx="4269000" cy="400200"/>
+          </a:xfrm>
+          <a:prstGeom prst="rect">
+            <a:avLst/>
+          </a:prstGeom>
+          <a:noFill/>
+          <a:ln>
+            <a:noFill/>
+          </a:ln>
+        </p:spPr>
+        <p:txBody>
+          <a:bodyPr anchorCtr="0" anchor="t" bIns="91425" lIns="91425" spcFirstLastPara="1" rIns="91425" wrap="square" tIns="91425">
+            <a:spAutoFit/>
+          </a:bodyPr>
+          <a:lstStyle/>
+          <a:p>
+            <a:pPr indent="0" lvl="0" marL="0" rtl="0" algn="ctr">
+              <a:spcBef>
+                <a:spcPts val="0"/>
+              </a:spcBef>
+              <a:spcAft>
+                <a:spcPts val="0"/>
+              </a:spcAft>
+              <a:buNone/>
+            </a:pPr>
+            <a:r>
+              <a:rPr lang="fr">
+                <a:solidFill>
+                  <a:srgbClr val="FFFFFF"/>
+                </a:solidFill>
+              </a:rPr>
+              <a:t>Après</a:t>
+            </a:r>
+            <a:endParaRPr>
+              <a:solidFill>
+                <a:srgbClr val="FFFFFF"/>
+              </a:solidFill>
+            </a:endParaRPr>
+          </a:p>
+        </p:txBody>
+      </p:sp>
       <p:pic>
         <p:nvPicPr>
-          <p:cNvPr id="85" name="Google Shape;85;p17"/>
+          <p:cNvPr id="90" name="Google Shape;90;p17"/>
           <p:cNvPicPr preferRelativeResize="0"/>
           <p:nvPr/>
         </p:nvPicPr>
@@ -7758,8 +8101,8 @@
         </p:blipFill>
         <p:spPr>
           <a:xfrm>
-            <a:off x="3247699" y="2371650"/>
-            <a:ext cx="2648600" cy="2081647"/>
+            <a:off x="4568425" y="1289625"/>
+            <a:ext cx="4269000" cy="1796879"/>
           </a:xfrm>
           <a:prstGeom prst="rect">
             <a:avLst/>
@@ -7772,7 +8115,7 @@
       </p:pic>
       <p:pic>
         <p:nvPicPr>
-          <p:cNvPr id="86" name="Google Shape;86;p17"/>
+          <p:cNvPr id="91" name="Google Shape;91;p17"/>
           <p:cNvPicPr preferRelativeResize="0"/>
           <p:nvPr/>
         </p:nvPicPr>
@@ -7786,8 +8129,8 @@
         </p:blipFill>
         <p:spPr>
           <a:xfrm>
-            <a:off x="6592875" y="1017725"/>
-            <a:ext cx="2239425" cy="2132125"/>
+            <a:off x="4568425" y="3081250"/>
+            <a:ext cx="4260298" cy="1811135"/>
           </a:xfrm>
           <a:prstGeom prst="rect">
             <a:avLst/>
@@ -7798,6 +8141,64 @@
           </a:ln>
         </p:spPr>
       </p:pic>
+      <p:sp>
+        <p:nvSpPr>
+          <p:cNvPr id="92" name="Google Shape;92;p17"/>
+          <p:cNvSpPr txBox="1"/>
+          <p:nvPr/>
+        </p:nvSpPr>
+        <p:spPr>
+          <a:xfrm>
+            <a:off x="8299200" y="4774200"/>
+            <a:ext cx="844800" cy="369300"/>
+          </a:xfrm>
+          <a:prstGeom prst="rect">
+            <a:avLst/>
+          </a:prstGeom>
+          <a:noFill/>
+          <a:ln>
+            <a:noFill/>
+          </a:ln>
+        </p:spPr>
+        <p:txBody>
+          <a:bodyPr anchorCtr="0" anchor="t" bIns="91425" lIns="91425" spcFirstLastPara="1" rIns="91425" wrap="square" tIns="91425">
+            <a:spAutoFit/>
+          </a:bodyPr>
+          <a:lstStyle/>
+          <a:p>
+            <a:pPr indent="0" lvl="0" marL="0" rtl="0" algn="r">
+              <a:spcBef>
+                <a:spcPts val="0"/>
+              </a:spcBef>
+              <a:spcAft>
+                <a:spcPts val="0"/>
+              </a:spcAft>
+              <a:buNone/>
+            </a:pPr>
+            <a:r>
+              <a:rPr lang="fr" sz="1200">
+                <a:solidFill>
+                  <a:srgbClr val="FFFFFF"/>
+                </a:solidFill>
+              </a:rPr>
+              <a:t>5</a:t>
+            </a:r>
+            <a:r>
+              <a:rPr lang="fr" sz="1200">
+                <a:solidFill>
+                  <a:srgbClr val="FFFFFF"/>
+                </a:solidFill>
+              </a:rPr>
+              <a:t>/11</a:t>
+            </a:r>
+            <a:endParaRPr>
+              <a:solidFill>
+                <a:srgbClr val="FFFFFF"/>
+              </a:solidFill>
+            </a:endParaRPr>
+          </a:p>
+        </p:txBody>
+      </p:sp>
     </p:spTree>
   </p:cSld>
   <p:clrMapOvr>
@@ -7811,7 +8212,7 @@
   <p:cSld>
     <p:spTree>
       <p:nvGrpSpPr>
-        <p:cNvPr id="90" name="Shape 90"/>
+        <p:cNvPr id="96" name="Shape 96"/>
         <p:cNvGrpSpPr/>
         <p:nvPr/>
       </p:nvGrpSpPr>
@@ -7825,7 +8226,7 @@
       </p:grpSpPr>
       <p:sp>
         <p:nvSpPr>
-          <p:cNvPr id="91" name="Google Shape;91;p18"/>
+          <p:cNvPr id="97" name="Google Shape;97;p18"/>
           <p:cNvSpPr txBox="1"/>
           <p:nvPr>
             <p:ph type="title"/>
@@ -7857,7 +8258,22 @@
             </a:pPr>
             <a:r>
               <a:rPr lang="fr"/>
-              <a:t>Résultats des tests W3C</a:t>
+              <a:t>Gains de temps PageSpeed Insights</a:t>
+            </a:r>
+            <a:endParaRPr/>
+          </a:p>
+          <a:p>
+            <a:pPr indent="0" lvl="0" marL="0" rtl="0" algn="l">
+              <a:spcBef>
+                <a:spcPts val="0"/>
+              </a:spcBef>
+              <a:spcAft>
+                <a:spcPts val="0"/>
+              </a:spcAft>
+              <a:buNone/>
+            </a:pPr>
+            <a:r>
+              <a:t/>
             </a:r>
             <a:endParaRPr/>
           </a:p>
@@ -7865,7 +8281,7 @@
       </p:sp>
       <p:sp>
         <p:nvSpPr>
-          <p:cNvPr id="92" name="Google Shape;92;p18"/>
+          <p:cNvPr id="98" name="Google Shape;98;p18"/>
           <p:cNvSpPr txBox="1"/>
           <p:nvPr>
             <p:ph idx="1" type="body"/>
@@ -7904,7 +8320,7 @@
       </p:sp>
       <p:pic>
         <p:nvPicPr>
-          <p:cNvPr id="93" name="Google Shape;93;p18"/>
+          <p:cNvPr id="99" name="Google Shape;99;p18"/>
           <p:cNvPicPr preferRelativeResize="0"/>
           <p:nvPr/>
         </p:nvPicPr>
@@ -7918,8 +8334,8 @@
         </p:blipFill>
         <p:spPr>
           <a:xfrm>
-            <a:off x="2209117" y="1017725"/>
-            <a:ext cx="4725758" cy="3551151"/>
+            <a:off x="2205038" y="1866900"/>
+            <a:ext cx="4733925" cy="1409700"/>
           </a:xfrm>
           <a:prstGeom prst="rect">
             <a:avLst/>
@@ -7930,6 +8346,64 @@
           </a:ln>
         </p:spPr>
       </p:pic>
+      <p:sp>
+        <p:nvSpPr>
+          <p:cNvPr id="100" name="Google Shape;100;p18"/>
+          <p:cNvSpPr txBox="1"/>
+          <p:nvPr/>
+        </p:nvSpPr>
+        <p:spPr>
+          <a:xfrm>
+            <a:off x="8299200" y="4774200"/>
+            <a:ext cx="844800" cy="369300"/>
+          </a:xfrm>
+          <a:prstGeom prst="rect">
+            <a:avLst/>
+          </a:prstGeom>
+          <a:noFill/>
+          <a:ln>
+            <a:noFill/>
+          </a:ln>
+        </p:spPr>
+        <p:txBody>
+          <a:bodyPr anchorCtr="0" anchor="t" bIns="91425" lIns="91425" spcFirstLastPara="1" rIns="91425" wrap="square" tIns="91425">
+            <a:spAutoFit/>
+          </a:bodyPr>
+          <a:lstStyle/>
+          <a:p>
+            <a:pPr indent="0" lvl="0" marL="0" rtl="0" algn="r">
+              <a:spcBef>
+                <a:spcPts val="0"/>
+              </a:spcBef>
+              <a:spcAft>
+                <a:spcPts val="0"/>
+              </a:spcAft>
+              <a:buNone/>
+            </a:pPr>
+            <a:r>
+              <a:rPr lang="fr" sz="1200">
+                <a:solidFill>
+                  <a:srgbClr val="FFFFFF"/>
+                </a:solidFill>
+              </a:rPr>
+              <a:t>6</a:t>
+            </a:r>
+            <a:r>
+              <a:rPr lang="fr" sz="1200">
+                <a:solidFill>
+                  <a:srgbClr val="FFFFFF"/>
+                </a:solidFill>
+              </a:rPr>
+              <a:t>/11</a:t>
+            </a:r>
+            <a:endParaRPr>
+              <a:solidFill>
+                <a:srgbClr val="FFFFFF"/>
+              </a:solidFill>
+            </a:endParaRPr>
+          </a:p>
+        </p:txBody>
+      </p:sp>
     </p:spTree>
   </p:cSld>
   <p:clrMapOvr>
@@ -7943,7 +8417,7 @@
   <p:cSld>
     <p:spTree>
       <p:nvGrpSpPr>
-        <p:cNvPr id="97" name="Shape 97"/>
+        <p:cNvPr id="104" name="Shape 104"/>
         <p:cNvGrpSpPr/>
         <p:nvPr/>
       </p:nvGrpSpPr>
@@ -7957,7 +8431,7 @@
       </p:grpSpPr>
       <p:sp>
         <p:nvSpPr>
-          <p:cNvPr id="98" name="Google Shape;98;p19"/>
+          <p:cNvPr id="105" name="Google Shape;105;p19"/>
           <p:cNvSpPr txBox="1"/>
           <p:nvPr>
             <p:ph type="title"/>
@@ -7989,7 +8463,22 @@
             </a:pPr>
             <a:r>
               <a:rPr lang="fr"/>
-              <a:t>10 problèmes majeurs à corriger</a:t>
+              <a:t>Comparaison des tailles du site</a:t>
+            </a:r>
+            <a:endParaRPr/>
+          </a:p>
+          <a:p>
+            <a:pPr indent="0" lvl="0" marL="0" rtl="0" algn="l">
+              <a:spcBef>
+                <a:spcPts val="0"/>
+              </a:spcBef>
+              <a:spcAft>
+                <a:spcPts val="0"/>
+              </a:spcAft>
+              <a:buNone/>
+            </a:pPr>
+            <a:r>
+              <a:t/>
             </a:r>
             <a:endParaRPr/>
           </a:p>
@@ -7997,7 +8486,7 @@
       </p:sp>
       <p:sp>
         <p:nvSpPr>
-          <p:cNvPr id="99" name="Google Shape;99;p19"/>
+          <p:cNvPr id="106" name="Google Shape;106;p19"/>
           <p:cNvSpPr txBox="1"/>
           <p:nvPr>
             <p:ph idx="1" type="body"/>
@@ -8018,174 +8507,133 @@
           </a:bodyPr>
           <a:lstStyle/>
           <a:p>
-            <a:pPr indent="-342900" lvl="0" marL="457200" rtl="0" algn="l">
-              <a:spcBef>
-                <a:spcPts val="0"/>
-              </a:spcBef>
-              <a:spcAft>
-                <a:spcPts val="0"/>
-              </a:spcAft>
-              <a:buSzPts val="1800"/>
-              <a:buChar char="-"/>
+            <a:pPr indent="0" lvl="0" marL="0" rtl="0" algn="l">
+              <a:spcBef>
+                <a:spcPts val="0"/>
+              </a:spcBef>
+              <a:spcAft>
+                <a:spcPts val="1200"/>
+              </a:spcAft>
+              <a:buNone/>
             </a:pPr>
             <a:r>
-              <a:rPr lang="fr"/>
-              <a:t>Langue du document html</a:t>
+              <a:t/>
             </a:r>
             <a:endParaRPr/>
           </a:p>
+        </p:txBody>
+      </p:sp>
+      <p:pic>
+        <p:nvPicPr>
+          <p:cNvPr id="107" name="Google Shape;107;p19"/>
+          <p:cNvPicPr preferRelativeResize="0"/>
+          <p:nvPr/>
+        </p:nvPicPr>
+        <p:blipFill>
+          <a:blip r:embed="rId3">
+            <a:alphaModFix/>
+          </a:blip>
+          <a:stretch>
+            <a:fillRect/>
+          </a:stretch>
+        </p:blipFill>
+        <p:spPr>
+          <a:xfrm>
+            <a:off x="311700" y="1735152"/>
+            <a:ext cx="4260300" cy="2107368"/>
+          </a:xfrm>
+          <a:prstGeom prst="rect">
+            <a:avLst/>
+          </a:prstGeom>
+          <a:noFill/>
+          <a:ln>
+            <a:noFill/>
+          </a:ln>
+        </p:spPr>
+      </p:pic>
+      <p:pic>
+        <p:nvPicPr>
+          <p:cNvPr id="108" name="Google Shape;108;p19"/>
+          <p:cNvPicPr preferRelativeResize="0"/>
+          <p:nvPr/>
+        </p:nvPicPr>
+        <p:blipFill>
+          <a:blip r:embed="rId4">
+            <a:alphaModFix/>
+          </a:blip>
+          <a:stretch>
+            <a:fillRect/>
+          </a:stretch>
+        </p:blipFill>
+        <p:spPr>
+          <a:xfrm>
+            <a:off x="4571997" y="1735150"/>
+            <a:ext cx="4237527" cy="2107375"/>
+          </a:xfrm>
+          <a:prstGeom prst="rect">
+            <a:avLst/>
+          </a:prstGeom>
+          <a:noFill/>
+          <a:ln>
+            <a:noFill/>
+          </a:ln>
+        </p:spPr>
+      </p:pic>
+      <p:sp>
+        <p:nvSpPr>
+          <p:cNvPr id="109" name="Google Shape;109;p19"/>
+          <p:cNvSpPr txBox="1"/>
+          <p:nvPr/>
+        </p:nvSpPr>
+        <p:spPr>
+          <a:xfrm>
+            <a:off x="8299200" y="4774200"/>
+            <a:ext cx="844800" cy="369300"/>
+          </a:xfrm>
+          <a:prstGeom prst="rect">
+            <a:avLst/>
+          </a:prstGeom>
+          <a:noFill/>
+          <a:ln>
+            <a:noFill/>
+          </a:ln>
+        </p:spPr>
+        <p:txBody>
+          <a:bodyPr anchorCtr="0" anchor="t" bIns="91425" lIns="91425" spcFirstLastPara="1" rIns="91425" wrap="square" tIns="91425">
+            <a:spAutoFit/>
+          </a:bodyPr>
+          <a:lstStyle/>
           <a:p>
-            <a:pPr indent="-342900" lvl="0" marL="457200" rtl="0" algn="l">
-              <a:spcBef>
-                <a:spcPts val="0"/>
-              </a:spcBef>
-              <a:spcAft>
-                <a:spcPts val="0"/>
-              </a:spcAft>
-              <a:buSzPts val="1800"/>
-              <a:buChar char="-"/>
+            <a:pPr indent="0" lvl="0" marL="0" rtl="0" algn="r">
+              <a:spcBef>
+                <a:spcPts val="0"/>
+              </a:spcBef>
+              <a:spcAft>
+                <a:spcPts val="0"/>
+              </a:spcAft>
+              <a:buNone/>
             </a:pPr>
             <a:r>
-              <a:rPr lang="fr"/>
-              <a:t>Titre de la page </a:t>
+              <a:rPr lang="fr" sz="1200">
+                <a:solidFill>
+                  <a:srgbClr val="FFFFFF"/>
+                </a:solidFill>
+              </a:rPr>
+              <a:t>7</a:t>
             </a:r>
-            <a:endParaRPr/>
-          </a:p>
-          <a:p>
-            <a:pPr indent="-342900" lvl="0" marL="457200" rtl="0" algn="l">
-              <a:spcBef>
-                <a:spcPts val="0"/>
-              </a:spcBef>
-              <a:spcAft>
-                <a:spcPts val="0"/>
-              </a:spcAft>
-              <a:buSzPts val="1800"/>
-              <a:buChar char="-"/>
-            </a:pPr>
             <a:r>
-              <a:rPr lang="fr"/>
-              <a:t>Contraste de la page</a:t>
+              <a:rPr lang="fr" sz="1200">
+                <a:solidFill>
+                  <a:srgbClr val="FFFFFF"/>
+                </a:solidFill>
+              </a:rPr>
+              <a:t>/11</a:t>
             </a:r>
-            <a:endParaRPr/>
-          </a:p>
-          <a:p>
-            <a:pPr indent="-342900" lvl="0" marL="457200" rtl="0" algn="l">
-              <a:spcBef>
-                <a:spcPts val="0"/>
-              </a:spcBef>
-              <a:spcAft>
-                <a:spcPts val="0"/>
-              </a:spcAft>
-              <a:buSzPts val="1800"/>
-              <a:buChar char="-"/>
-            </a:pPr>
-            <a:r>
-              <a:rPr lang="fr"/>
-              <a:t>Liens des fichiers sur la page de contact</a:t>
-            </a:r>
-            <a:endParaRPr/>
-          </a:p>
-          <a:p>
-            <a:pPr indent="-342900" lvl="0" marL="457200" rtl="0" algn="l">
-              <a:spcBef>
-                <a:spcPts val="0"/>
-              </a:spcBef>
-              <a:spcAft>
-                <a:spcPts val="0"/>
-              </a:spcAft>
-              <a:buSzPts val="1800"/>
-              <a:buChar char="-"/>
-            </a:pPr>
-            <a:r>
-              <a:rPr lang="fr"/>
-              <a:t>Attributs alts des images</a:t>
-            </a:r>
-            <a:endParaRPr/>
-          </a:p>
-          <a:p>
-            <a:pPr indent="-342900" lvl="0" marL="457200" rtl="0" algn="l">
-              <a:spcBef>
-                <a:spcPts val="0"/>
-              </a:spcBef>
-              <a:spcAft>
-                <a:spcPts val="0"/>
-              </a:spcAft>
-              <a:buSzPts val="1800"/>
-              <a:buChar char="-"/>
-            </a:pPr>
-            <a:r>
-              <a:rPr lang="fr"/>
-              <a:t>IDs peu/non significatifs</a:t>
-            </a:r>
-            <a:endParaRPr/>
-          </a:p>
-          <a:p>
-            <a:pPr indent="-342900" lvl="0" marL="457200" rtl="0" algn="l">
-              <a:spcBef>
-                <a:spcPts val="0"/>
-              </a:spcBef>
-              <a:spcAft>
-                <a:spcPts val="0"/>
-              </a:spcAft>
-              <a:buSzPts val="1800"/>
-              <a:buChar char="-"/>
-            </a:pPr>
-            <a:r>
-              <a:rPr lang="fr"/>
-              <a:t>Textes superflus</a:t>
-            </a:r>
-            <a:endParaRPr/>
-          </a:p>
-          <a:p>
-            <a:pPr indent="-342900" lvl="0" marL="457200" rtl="0" algn="l">
-              <a:spcBef>
-                <a:spcPts val="0"/>
-              </a:spcBef>
-              <a:spcAft>
-                <a:spcPts val="0"/>
-              </a:spcAft>
-              <a:buSzPts val="1800"/>
-              <a:buChar char="-"/>
-            </a:pPr>
-            <a:r>
-              <a:rPr lang="fr"/>
-              <a:t>Absence de balises section</a:t>
-            </a:r>
-            <a:endParaRPr/>
-          </a:p>
-          <a:p>
-            <a:pPr indent="-342900" lvl="0" marL="457200" rtl="0" algn="l">
-              <a:spcBef>
-                <a:spcPts val="0"/>
-              </a:spcBef>
-              <a:spcAft>
-                <a:spcPts val="0"/>
-              </a:spcAft>
-              <a:buSzPts val="1800"/>
-              <a:buChar char="-"/>
-            </a:pPr>
-            <a:r>
-              <a:rPr lang="fr"/>
-              <a:t>Balise description vide</a:t>
-            </a:r>
-            <a:endParaRPr/>
-          </a:p>
-          <a:p>
-            <a:pPr indent="-342900" lvl="0" marL="457200" rtl="0" algn="l">
-              <a:spcBef>
-                <a:spcPts val="0"/>
-              </a:spcBef>
-              <a:spcAft>
-                <a:spcPts val="0"/>
-              </a:spcAft>
-              <a:buSzPts val="1800"/>
-              <a:buChar char="-"/>
-            </a:pPr>
-            <a:r>
-              <a:rPr lang="fr"/>
-              <a:t>Images comportant uniquement du texte</a:t>
-            </a:r>
-            <a:endParaRPr/>
+            <a:endParaRPr>
+              <a:solidFill>
+                <a:srgbClr val="FFFFFF"/>
+              </a:solidFill>
+            </a:endParaRPr>
           </a:p>
         </p:txBody>
       </p:sp>
@@ -8202,7 +8650,7 @@
   <p:cSld>
     <p:spTree>
       <p:nvGrpSpPr>
-        <p:cNvPr id="103" name="Shape 103"/>
+        <p:cNvPr id="113" name="Shape 113"/>
         <p:cNvGrpSpPr/>
         <p:nvPr/>
       </p:nvGrpSpPr>
@@ -8216,7 +8664,7 @@
       </p:grpSpPr>
       <p:sp>
         <p:nvSpPr>
-          <p:cNvPr id="104" name="Google Shape;104;p20"/>
+          <p:cNvPr id="114" name="Google Shape;114;p20"/>
           <p:cNvSpPr txBox="1"/>
           <p:nvPr>
             <p:ph type="title"/>
@@ -8248,7 +8696,7 @@
             </a:pPr>
             <a:r>
               <a:rPr lang="fr"/>
-              <a:t>Améliorations apportées et résultats</a:t>
+              <a:t>Analyse d’accessibilité WAVE</a:t>
             </a:r>
             <a:endParaRPr/>
           </a:p>
@@ -8256,7 +8704,7 @@
       </p:sp>
       <p:sp>
         <p:nvSpPr>
-          <p:cNvPr id="105" name="Google Shape;105;p20"/>
+          <p:cNvPr id="115" name="Google Shape;115;p20"/>
           <p:cNvSpPr txBox="1"/>
           <p:nvPr>
             <p:ph idx="1" type="body"/>
@@ -8290,6 +8738,360 @@
               <a:t/>
             </a:r>
             <a:endParaRPr/>
+          </a:p>
+        </p:txBody>
+      </p:sp>
+      <p:pic>
+        <p:nvPicPr>
+          <p:cNvPr id="116" name="Google Shape;116;p20"/>
+          <p:cNvPicPr preferRelativeResize="0"/>
+          <p:nvPr/>
+        </p:nvPicPr>
+        <p:blipFill>
+          <a:blip r:embed="rId3">
+            <a:alphaModFix/>
+          </a:blip>
+          <a:stretch>
+            <a:fillRect/>
+          </a:stretch>
+        </p:blipFill>
+        <p:spPr>
+          <a:xfrm>
+            <a:off x="311711" y="1284325"/>
+            <a:ext cx="1999989" cy="3478899"/>
+          </a:xfrm>
+          <a:prstGeom prst="rect">
+            <a:avLst/>
+          </a:prstGeom>
+          <a:noFill/>
+          <a:ln>
+            <a:noFill/>
+          </a:ln>
+        </p:spPr>
+      </p:pic>
+      <p:pic>
+        <p:nvPicPr>
+          <p:cNvPr id="117" name="Google Shape;117;p20"/>
+          <p:cNvPicPr preferRelativeResize="0"/>
+          <p:nvPr/>
+        </p:nvPicPr>
+        <p:blipFill>
+          <a:blip r:embed="rId4">
+            <a:alphaModFix/>
+          </a:blip>
+          <a:stretch>
+            <a:fillRect/>
+          </a:stretch>
+        </p:blipFill>
+        <p:spPr>
+          <a:xfrm>
+            <a:off x="2311700" y="1284325"/>
+            <a:ext cx="1546725" cy="790650"/>
+          </a:xfrm>
+          <a:prstGeom prst="rect">
+            <a:avLst/>
+          </a:prstGeom>
+          <a:noFill/>
+          <a:ln>
+            <a:noFill/>
+          </a:ln>
+        </p:spPr>
+      </p:pic>
+      <p:pic>
+        <p:nvPicPr>
+          <p:cNvPr id="118" name="Google Shape;118;p20"/>
+          <p:cNvPicPr preferRelativeResize="0"/>
+          <p:nvPr/>
+        </p:nvPicPr>
+        <p:blipFill>
+          <a:blip r:embed="rId5">
+            <a:alphaModFix/>
+          </a:blip>
+          <a:stretch>
+            <a:fillRect/>
+          </a:stretch>
+        </p:blipFill>
+        <p:spPr>
+          <a:xfrm>
+            <a:off x="2311700" y="2074975"/>
+            <a:ext cx="1546725" cy="1215637"/>
+          </a:xfrm>
+          <a:prstGeom prst="rect">
+            <a:avLst/>
+          </a:prstGeom>
+          <a:noFill/>
+          <a:ln>
+            <a:noFill/>
+          </a:ln>
+        </p:spPr>
+      </p:pic>
+      <p:pic>
+        <p:nvPicPr>
+          <p:cNvPr id="119" name="Google Shape;119;p20"/>
+          <p:cNvPicPr preferRelativeResize="0"/>
+          <p:nvPr/>
+        </p:nvPicPr>
+        <p:blipFill>
+          <a:blip r:embed="rId6">
+            <a:alphaModFix/>
+          </a:blip>
+          <a:stretch>
+            <a:fillRect/>
+          </a:stretch>
+        </p:blipFill>
+        <p:spPr>
+          <a:xfrm>
+            <a:off x="2311700" y="3290600"/>
+            <a:ext cx="1546725" cy="1472625"/>
+          </a:xfrm>
+          <a:prstGeom prst="rect">
+            <a:avLst/>
+          </a:prstGeom>
+          <a:noFill/>
+          <a:ln>
+            <a:noFill/>
+          </a:ln>
+        </p:spPr>
+      </p:pic>
+      <p:sp>
+        <p:nvSpPr>
+          <p:cNvPr id="120" name="Google Shape;120;p20"/>
+          <p:cNvSpPr txBox="1"/>
+          <p:nvPr/>
+        </p:nvSpPr>
+        <p:spPr>
+          <a:xfrm>
+            <a:off x="307350" y="884125"/>
+            <a:ext cx="3551100" cy="400200"/>
+          </a:xfrm>
+          <a:prstGeom prst="rect">
+            <a:avLst/>
+          </a:prstGeom>
+          <a:noFill/>
+          <a:ln>
+            <a:noFill/>
+          </a:ln>
+        </p:spPr>
+        <p:txBody>
+          <a:bodyPr anchorCtr="0" anchor="t" bIns="91425" lIns="91425" spcFirstLastPara="1" rIns="91425" wrap="square" tIns="91425">
+            <a:spAutoFit/>
+          </a:bodyPr>
+          <a:lstStyle/>
+          <a:p>
+            <a:pPr indent="0" lvl="0" marL="0" rtl="0" algn="ctr">
+              <a:spcBef>
+                <a:spcPts val="0"/>
+              </a:spcBef>
+              <a:spcAft>
+                <a:spcPts val="0"/>
+              </a:spcAft>
+              <a:buNone/>
+            </a:pPr>
+            <a:r>
+              <a:rPr lang="fr">
+                <a:solidFill>
+                  <a:srgbClr val="FFFFFF"/>
+                </a:solidFill>
+              </a:rPr>
+              <a:t>Avant</a:t>
+            </a:r>
+            <a:endParaRPr>
+              <a:solidFill>
+                <a:srgbClr val="FFFFFF"/>
+              </a:solidFill>
+            </a:endParaRPr>
+          </a:p>
+        </p:txBody>
+      </p:sp>
+      <p:sp>
+        <p:nvSpPr>
+          <p:cNvPr id="121" name="Google Shape;121;p20"/>
+          <p:cNvSpPr txBox="1"/>
+          <p:nvPr/>
+        </p:nvSpPr>
+        <p:spPr>
+          <a:xfrm>
+            <a:off x="4568425" y="884125"/>
+            <a:ext cx="4269000" cy="400200"/>
+          </a:xfrm>
+          <a:prstGeom prst="rect">
+            <a:avLst/>
+          </a:prstGeom>
+          <a:noFill/>
+          <a:ln>
+            <a:noFill/>
+          </a:ln>
+        </p:spPr>
+        <p:txBody>
+          <a:bodyPr anchorCtr="0" anchor="t" bIns="91425" lIns="91425" spcFirstLastPara="1" rIns="91425" wrap="square" tIns="91425">
+            <a:spAutoFit/>
+          </a:bodyPr>
+          <a:lstStyle/>
+          <a:p>
+            <a:pPr indent="0" lvl="0" marL="0" rtl="0" algn="ctr">
+              <a:spcBef>
+                <a:spcPts val="0"/>
+              </a:spcBef>
+              <a:spcAft>
+                <a:spcPts val="0"/>
+              </a:spcAft>
+              <a:buNone/>
+            </a:pPr>
+            <a:r>
+              <a:rPr lang="fr">
+                <a:solidFill>
+                  <a:srgbClr val="FFFFFF"/>
+                </a:solidFill>
+              </a:rPr>
+              <a:t>Après</a:t>
+            </a:r>
+            <a:endParaRPr>
+              <a:solidFill>
+                <a:srgbClr val="FFFFFF"/>
+              </a:solidFill>
+            </a:endParaRPr>
+          </a:p>
+        </p:txBody>
+      </p:sp>
+      <p:pic>
+        <p:nvPicPr>
+          <p:cNvPr id="122" name="Google Shape;122;p20"/>
+          <p:cNvPicPr preferRelativeResize="0"/>
+          <p:nvPr/>
+        </p:nvPicPr>
+        <p:blipFill>
+          <a:blip r:embed="rId7">
+            <a:alphaModFix/>
+          </a:blip>
+          <a:stretch>
+            <a:fillRect/>
+          </a:stretch>
+        </p:blipFill>
+        <p:spPr>
+          <a:xfrm>
+            <a:off x="4576350" y="1284325"/>
+            <a:ext cx="1902121" cy="3478901"/>
+          </a:xfrm>
+          <a:prstGeom prst="rect">
+            <a:avLst/>
+          </a:prstGeom>
+          <a:noFill/>
+          <a:ln>
+            <a:noFill/>
+          </a:ln>
+        </p:spPr>
+      </p:pic>
+      <p:pic>
+        <p:nvPicPr>
+          <p:cNvPr id="123" name="Google Shape;123;p20"/>
+          <p:cNvPicPr preferRelativeResize="0"/>
+          <p:nvPr/>
+        </p:nvPicPr>
+        <p:blipFill>
+          <a:blip r:embed="rId8">
+            <a:alphaModFix/>
+          </a:blip>
+          <a:stretch>
+            <a:fillRect/>
+          </a:stretch>
+        </p:blipFill>
+        <p:spPr>
+          <a:xfrm>
+            <a:off x="6478475" y="1284325"/>
+            <a:ext cx="2358950" cy="729969"/>
+          </a:xfrm>
+          <a:prstGeom prst="rect">
+            <a:avLst/>
+          </a:prstGeom>
+          <a:noFill/>
+          <a:ln>
+            <a:noFill/>
+          </a:ln>
+        </p:spPr>
+      </p:pic>
+      <p:pic>
+        <p:nvPicPr>
+          <p:cNvPr id="124" name="Google Shape;124;p20"/>
+          <p:cNvPicPr preferRelativeResize="0"/>
+          <p:nvPr/>
+        </p:nvPicPr>
+        <p:blipFill>
+          <a:blip r:embed="rId4">
+            <a:alphaModFix/>
+          </a:blip>
+          <a:stretch>
+            <a:fillRect/>
+          </a:stretch>
+        </p:blipFill>
+        <p:spPr>
+          <a:xfrm>
+            <a:off x="6478475" y="2005825"/>
+            <a:ext cx="2358950" cy="1205860"/>
+          </a:xfrm>
+          <a:prstGeom prst="rect">
+            <a:avLst/>
+          </a:prstGeom>
+          <a:noFill/>
+          <a:ln>
+            <a:noFill/>
+          </a:ln>
+        </p:spPr>
+      </p:pic>
+      <p:sp>
+        <p:nvSpPr>
+          <p:cNvPr id="125" name="Google Shape;125;p20"/>
+          <p:cNvSpPr txBox="1"/>
+          <p:nvPr/>
+        </p:nvSpPr>
+        <p:spPr>
+          <a:xfrm>
+            <a:off x="8299200" y="4774200"/>
+            <a:ext cx="844800" cy="369300"/>
+          </a:xfrm>
+          <a:prstGeom prst="rect">
+            <a:avLst/>
+          </a:prstGeom>
+          <a:noFill/>
+          <a:ln>
+            <a:noFill/>
+          </a:ln>
+        </p:spPr>
+        <p:txBody>
+          <a:bodyPr anchorCtr="0" anchor="t" bIns="91425" lIns="91425" spcFirstLastPara="1" rIns="91425" wrap="square" tIns="91425">
+            <a:spAutoFit/>
+          </a:bodyPr>
+          <a:lstStyle/>
+          <a:p>
+            <a:pPr indent="0" lvl="0" marL="0" rtl="0" algn="r">
+              <a:spcBef>
+                <a:spcPts val="0"/>
+              </a:spcBef>
+              <a:spcAft>
+                <a:spcPts val="0"/>
+              </a:spcAft>
+              <a:buNone/>
+            </a:pPr>
+            <a:r>
+              <a:rPr lang="fr" sz="1200">
+                <a:solidFill>
+                  <a:srgbClr val="FFFFFF"/>
+                </a:solidFill>
+              </a:rPr>
+              <a:t>8</a:t>
+            </a:r>
+            <a:r>
+              <a:rPr lang="fr" sz="1200">
+                <a:solidFill>
+                  <a:srgbClr val="FFFFFF"/>
+                </a:solidFill>
+              </a:rPr>
+              <a:t>/11</a:t>
+            </a:r>
+            <a:endParaRPr>
+              <a:solidFill>
+                <a:srgbClr val="FFFFFF"/>
+              </a:solidFill>
+            </a:endParaRPr>
           </a:p>
         </p:txBody>
       </p:sp>
@@ -8306,7 +9108,7 @@
   <p:cSld>
     <p:spTree>
       <p:nvGrpSpPr>
-        <p:cNvPr id="109" name="Shape 109"/>
+        <p:cNvPr id="129" name="Shape 129"/>
         <p:cNvGrpSpPr/>
         <p:nvPr/>
       </p:nvGrpSpPr>
@@ -8320,7 +9122,7 @@
       </p:grpSpPr>
       <p:sp>
         <p:nvSpPr>
-          <p:cNvPr id="110" name="Google Shape;110;p21"/>
+          <p:cNvPr id="130" name="Google Shape;130;p21"/>
           <p:cNvSpPr txBox="1"/>
           <p:nvPr>
             <p:ph type="title"/>
@@ -8352,7 +9154,7 @@
             </a:pPr>
             <a:r>
               <a:rPr lang="fr"/>
-              <a:t>Scores Google PageSpeed Insights</a:t>
+              <a:t>Résultats des tests W3C</a:t>
             </a:r>
             <a:endParaRPr/>
           </a:p>
@@ -8360,7 +9162,7 @@
       </p:sp>
       <p:sp>
         <p:nvSpPr>
-          <p:cNvPr id="111" name="Google Shape;111;p21"/>
+          <p:cNvPr id="131" name="Google Shape;131;p21"/>
           <p:cNvSpPr txBox="1"/>
           <p:nvPr>
             <p:ph idx="1" type="body"/>
@@ -8399,7 +9201,7 @@
       </p:sp>
       <p:pic>
         <p:nvPicPr>
-          <p:cNvPr id="112" name="Google Shape;112;p21"/>
+          <p:cNvPr id="132" name="Google Shape;132;p21"/>
           <p:cNvPicPr preferRelativeResize="0"/>
           <p:nvPr/>
         </p:nvPicPr>
@@ -8413,8 +9215,8 @@
         </p:blipFill>
         <p:spPr>
           <a:xfrm>
-            <a:off x="2285999" y="1017724"/>
-            <a:ext cx="4572000" cy="1943651"/>
+            <a:off x="2209117" y="1152475"/>
+            <a:ext cx="4725758" cy="3551151"/>
           </a:xfrm>
           <a:prstGeom prst="rect">
             <a:avLst/>
@@ -8425,24 +9227,16 @@
           </a:ln>
         </p:spPr>
       </p:pic>
-      <p:pic>
-        <p:nvPicPr>
-          <p:cNvPr id="113" name="Google Shape;113;p21"/>
-          <p:cNvPicPr preferRelativeResize="0"/>
+      <p:sp>
+        <p:nvSpPr>
+          <p:cNvPr id="133" name="Google Shape;133;p21"/>
+          <p:cNvSpPr txBox="1"/>
           <p:nvPr/>
-        </p:nvPicPr>
-        <p:blipFill>
-          <a:blip r:embed="rId4">
-            <a:alphaModFix/>
-          </a:blip>
-          <a:stretch>
-            <a:fillRect/>
-          </a:stretch>
-        </p:blipFill>
-        <p:spPr>
-          <a:xfrm>
-            <a:off x="2286000" y="2961369"/>
-            <a:ext cx="4572000" cy="1922032"/>
+        </p:nvSpPr>
+        <p:spPr>
+          <a:xfrm>
+            <a:off x="2796450" y="817425"/>
+            <a:ext cx="3551100" cy="400200"/>
           </a:xfrm>
           <a:prstGeom prst="rect">
             <a:avLst/>
@@ -8452,7 +9246,95 @@
             <a:noFill/>
           </a:ln>
         </p:spPr>
-      </p:pic>
+        <p:txBody>
+          <a:bodyPr anchorCtr="0" anchor="t" bIns="91425" lIns="91425" spcFirstLastPara="1" rIns="91425" wrap="square" tIns="91425">
+            <a:spAutoFit/>
+          </a:bodyPr>
+          <a:lstStyle/>
+          <a:p>
+            <a:pPr indent="0" lvl="0" marL="0" rtl="0" algn="ctr">
+              <a:spcBef>
+                <a:spcPts val="0"/>
+              </a:spcBef>
+              <a:spcAft>
+                <a:spcPts val="0"/>
+              </a:spcAft>
+              <a:buNone/>
+            </a:pPr>
+            <a:r>
+              <a:rPr lang="fr">
+                <a:solidFill>
+                  <a:srgbClr val="FFFFFF"/>
+                </a:solidFill>
+              </a:rPr>
+              <a:t>Avant</a:t>
+            </a:r>
+            <a:endParaRPr>
+              <a:solidFill>
+                <a:srgbClr val="FFFFFF"/>
+              </a:solidFill>
+            </a:endParaRPr>
+          </a:p>
+        </p:txBody>
+      </p:sp>
+      <p:sp>
+        <p:nvSpPr>
+          <p:cNvPr id="134" name="Google Shape;134;p21"/>
+          <p:cNvSpPr txBox="1"/>
+          <p:nvPr/>
+        </p:nvSpPr>
+        <p:spPr>
+          <a:xfrm>
+            <a:off x="8299200" y="4774200"/>
+            <a:ext cx="844800" cy="369300"/>
+          </a:xfrm>
+          <a:prstGeom prst="rect">
+            <a:avLst/>
+          </a:prstGeom>
+          <a:noFill/>
+          <a:ln>
+            <a:noFill/>
+          </a:ln>
+        </p:spPr>
+        <p:txBody>
+          <a:bodyPr anchorCtr="0" anchor="t" bIns="91425" lIns="91425" spcFirstLastPara="1" rIns="91425" wrap="square" tIns="91425">
+            <a:spAutoFit/>
+          </a:bodyPr>
+          <a:lstStyle/>
+          <a:p>
+            <a:pPr indent="0" lvl="0" marL="0" rtl="0" algn="r">
+              <a:spcBef>
+                <a:spcPts val="0"/>
+              </a:spcBef>
+              <a:spcAft>
+                <a:spcPts val="0"/>
+              </a:spcAft>
+              <a:buNone/>
+            </a:pPr>
+            <a:r>
+              <a:rPr lang="fr" sz="1200">
+                <a:solidFill>
+                  <a:srgbClr val="FFFFFF"/>
+                </a:solidFill>
+              </a:rPr>
+              <a:t>9</a:t>
+            </a:r>
+            <a:r>
+              <a:rPr lang="fr" sz="1200">
+                <a:solidFill>
+                  <a:srgbClr val="FFFFFF"/>
+                </a:solidFill>
+              </a:rPr>
+              <a:t>/11</a:t>
+            </a:r>
+            <a:endParaRPr>
+              <a:solidFill>
+                <a:srgbClr val="FFFFFF"/>
+              </a:solidFill>
+            </a:endParaRPr>
+          </a:p>
+        </p:txBody>
+      </p:sp>
     </p:spTree>
   </p:cSld>
   <p:clrMapOvr>
@@ -8462,6 +9344,285 @@
 </file>
 
 <file path=ppt/theme/theme1.xml><?xml version="1.0" encoding="utf-8"?>
+<a:theme xmlns:a="http://schemas.openxmlformats.org/drawingml/2006/main" xmlns:r="http://schemas.openxmlformats.org/officeDocument/2006/relationships" name="Simple Dark">
+  <a:themeElements>
+    <a:clrScheme name="Simple Dark">
+      <a:dk1>
+        <a:srgbClr val="FFFFFF"/>
+      </a:dk1>
+      <a:lt1>
+        <a:srgbClr val="212121"/>
+      </a:lt1>
+      <a:dk2>
+        <a:srgbClr val="303030"/>
+      </a:dk2>
+      <a:lt2>
+        <a:srgbClr val="ADADAD"/>
+      </a:lt2>
+      <a:accent1>
+        <a:srgbClr val="009688"/>
+      </a:accent1>
+      <a:accent2>
+        <a:srgbClr val="EEEEEE"/>
+      </a:accent2>
+      <a:accent3>
+        <a:srgbClr val="78909C"/>
+      </a:accent3>
+      <a:accent4>
+        <a:srgbClr val="FFAB40"/>
+      </a:accent4>
+      <a:accent5>
+        <a:srgbClr val="4DD0E1"/>
+      </a:accent5>
+      <a:accent6>
+        <a:srgbClr val="EEFF41"/>
+      </a:accent6>
+      <a:hlink>
+        <a:srgbClr val="4DD0E1"/>
+      </a:hlink>
+      <a:folHlink>
+        <a:srgbClr val="4DD0E1"/>
+      </a:folHlink>
+    </a:clrScheme>
+    <a:fontScheme name="Office">
+      <a:majorFont>
+        <a:latin typeface="Arial"/>
+        <a:ea typeface=""/>
+        <a:cs typeface=""/>
+        <a:font script="Jpan" typeface="ＭＳ Ｐゴシック"/>
+        <a:font script="Hang" typeface="맑은 고딕"/>
+        <a:font script="Hans" typeface="宋体"/>
+        <a:font script="Hant" typeface="新細明體"/>
+        <a:font script="Arab" typeface="Times New Roman"/>
+        <a:font script="Hebr" typeface="Times New Roman"/>
+        <a:font script="Thai" typeface="Angsana New"/>
+        <a:font script="Ethi" typeface="Nyala"/>
+        <a:font script="Beng" typeface="Vrinda"/>
+        <a:font script="Gujr" typeface="Shruti"/>
+        <a:font script="Khmr" typeface="MoolBoran"/>
+        <a:font script="Knda" typeface="Tunga"/>
+        <a:font script="Guru" typeface="Raavi"/>
+        <a:font script="Cans" typeface="Euphemia"/>
+        <a:font script="Cher" typeface="Plantagenet Cherokee"/>
+        <a:font script="Yiii" typeface="Microsoft Yi Baiti"/>
+        <a:font script="Tibt" typeface="Microsoft Himalaya"/>
+        <a:font script="Thaa" typeface="MV Boli"/>
+        <a:font script="Deva" typeface="Mangal"/>
+        <a:font script="Telu" typeface="Gautami"/>
+        <a:font script="Taml" typeface="Latha"/>
+        <a:font script="Syrc" typeface="Estrangelo Edessa"/>
+        <a:font script="Orya" typeface="Kalinga"/>
+        <a:font script="Mlym" typeface="Kartika"/>
+        <a:font script="Laoo" typeface="DokChampa"/>
+        <a:font script="Sinh" typeface="Iskoola Pota"/>
+        <a:font script="Mong" typeface="Mongolian Baiti"/>
+        <a:font script="Viet" typeface="Times New Roman"/>
+        <a:font script="Uigh" typeface="Microsoft Uighur"/>
+        <a:font script="Geor" typeface="Sylfaen"/>
+      </a:majorFont>
+      <a:minorFont>
+        <a:latin typeface="Arial"/>
+        <a:ea typeface=""/>
+        <a:cs typeface=""/>
+        <a:font script="Jpan" typeface="ＭＳ Ｐゴシック"/>
+        <a:font script="Hang" typeface="맑은 고딕"/>
+        <a:font script="Hans" typeface="宋体"/>
+        <a:font script="Hant" typeface="新細明體"/>
+        <a:font script="Arab" typeface="Arial"/>
+        <a:font script="Hebr" typeface="Arial"/>
+        <a:font script="Thai" typeface="Cordia New"/>
+        <a:font script="Ethi" typeface="Nyala"/>
+        <a:font script="Beng" typeface="Vrinda"/>
+        <a:font script="Gujr" typeface="Shruti"/>
+        <a:font script="Khmr" typeface="DaunPenh"/>
+        <a:font script="Knda" typeface="Tunga"/>
+        <a:font script="Guru" typeface="Raavi"/>
+        <a:font script="Cans" typeface="Euphemia"/>
+        <a:font script="Cher" typeface="Plantagenet Cherokee"/>
+        <a:font script="Yiii" typeface="Microsoft Yi Baiti"/>
+        <a:font script="Tibt" typeface="Microsoft Himalaya"/>
+        <a:font script="Thaa" typeface="MV Boli"/>
+        <a:font script="Deva" typeface="Mangal"/>
+        <a:font script="Telu" typeface="Gautami"/>
+        <a:font script="Taml" typeface="Latha"/>
+        <a:font script="Syrc" typeface="Estrangelo Edessa"/>
+        <a:font script="Orya" typeface="Kalinga"/>
+        <a:font script="Mlym" typeface="Kartika"/>
+        <a:font script="Laoo" typeface="DokChampa"/>
+        <a:font script="Sinh" typeface="Iskoola Pota"/>
+        <a:font script="Mong" typeface="Mongolian Baiti"/>
+        <a:font script="Viet" typeface="Arial"/>
+        <a:font script="Uigh" typeface="Microsoft Uighur"/>
+        <a:font script="Geor" typeface="Sylfaen"/>
+      </a:minorFont>
+    </a:fontScheme>
+    <a:fmtScheme name="Office">
+      <a:fillStyleLst>
+        <a:solidFill>
+          <a:schemeClr val="phClr"/>
+        </a:solidFill>
+        <a:gradFill rotWithShape="1">
+          <a:gsLst>
+            <a:gs pos="0">
+              <a:schemeClr val="phClr">
+                <a:tint val="50000"/>
+                <a:satMod val="300000"/>
+              </a:schemeClr>
+            </a:gs>
+            <a:gs pos="35000">
+              <a:schemeClr val="phClr">
+                <a:tint val="37000"/>
+                <a:satMod val="300000"/>
+              </a:schemeClr>
+            </a:gs>
+            <a:gs pos="100000">
+              <a:schemeClr val="phClr">
+                <a:tint val="15000"/>
+                <a:satMod val="350000"/>
+              </a:schemeClr>
+            </a:gs>
+          </a:gsLst>
+          <a:lin ang="16200000" scaled="1"/>
+        </a:gradFill>
+        <a:gradFill rotWithShape="1">
+          <a:gsLst>
+            <a:gs pos="0">
+              <a:schemeClr val="phClr">
+                <a:tint val="100000"/>
+                <a:shade val="100000"/>
+                <a:satMod val="130000"/>
+              </a:schemeClr>
+            </a:gs>
+            <a:gs pos="100000">
+              <a:schemeClr val="phClr">
+                <a:tint val="50000"/>
+                <a:shade val="100000"/>
+                <a:satMod val="350000"/>
+              </a:schemeClr>
+            </a:gs>
+          </a:gsLst>
+          <a:lin ang="16200000" scaled="0"/>
+        </a:gradFill>
+      </a:fillStyleLst>
+      <a:lnStyleLst>
+        <a:ln w="9525" cap="flat" cmpd="sng" algn="ctr">
+          <a:solidFill>
+            <a:schemeClr val="phClr">
+              <a:shade val="95000"/>
+              <a:satMod val="105000"/>
+            </a:schemeClr>
+          </a:solidFill>
+          <a:prstDash val="solid"/>
+        </a:ln>
+        <a:ln w="25400" cap="flat" cmpd="sng" algn="ctr">
+          <a:solidFill>
+            <a:schemeClr val="phClr"/>
+          </a:solidFill>
+          <a:prstDash val="solid"/>
+        </a:ln>
+        <a:ln w="38100" cap="flat" cmpd="sng" algn="ctr">
+          <a:solidFill>
+            <a:schemeClr val="phClr"/>
+          </a:solidFill>
+          <a:prstDash val="solid"/>
+        </a:ln>
+      </a:lnStyleLst>
+      <a:effectStyleLst>
+        <a:effectStyle>
+          <a:effectLst>
+            <a:outerShdw blurRad="40000" dist="20000" dir="5400000" rotWithShape="0">
+              <a:srgbClr val="000000">
+                <a:alpha val="38000"/>
+              </a:srgbClr>
+            </a:outerShdw>
+          </a:effectLst>
+        </a:effectStyle>
+        <a:effectStyle>
+          <a:effectLst>
+            <a:outerShdw blurRad="40000" dist="23000" dir="5400000" rotWithShape="0">
+              <a:srgbClr val="000000">
+                <a:alpha val="35000"/>
+              </a:srgbClr>
+            </a:outerShdw>
+          </a:effectLst>
+        </a:effectStyle>
+        <a:effectStyle>
+          <a:effectLst>
+            <a:outerShdw blurRad="40000" dist="23000" dir="5400000" rotWithShape="0">
+              <a:srgbClr val="000000">
+                <a:alpha val="35000"/>
+              </a:srgbClr>
+            </a:outerShdw>
+          </a:effectLst>
+          <a:scene3d>
+            <a:camera prst="orthographicFront">
+              <a:rot lat="0" lon="0" rev="0"/>
+            </a:camera>
+            <a:lightRig rig="threePt" dir="t">
+              <a:rot lat="0" lon="0" rev="1200000"/>
+            </a:lightRig>
+          </a:scene3d>
+          <a:sp3d>
+            <a:bevelT w="63500" h="25400"/>
+          </a:sp3d>
+        </a:effectStyle>
+      </a:effectStyleLst>
+      <a:bgFillStyleLst>
+        <a:solidFill>
+          <a:schemeClr val="phClr"/>
+        </a:solidFill>
+        <a:gradFill rotWithShape="1">
+          <a:gsLst>
+            <a:gs pos="0">
+              <a:schemeClr val="phClr">
+                <a:tint val="40000"/>
+                <a:satMod val="350000"/>
+              </a:schemeClr>
+            </a:gs>
+            <a:gs pos="40000">
+              <a:schemeClr val="phClr">
+                <a:tint val="45000"/>
+                <a:shade val="99000"/>
+                <a:satMod val="350000"/>
+              </a:schemeClr>
+            </a:gs>
+            <a:gs pos="100000">
+              <a:schemeClr val="phClr">
+                <a:shade val="20000"/>
+                <a:satMod val="255000"/>
+              </a:schemeClr>
+            </a:gs>
+          </a:gsLst>
+          <a:path path="circle">
+            <a:fillToRect l="50000" t="-80000" r="50000" b="180000"/>
+          </a:path>
+        </a:gradFill>
+        <a:gradFill rotWithShape="1">
+          <a:gsLst>
+            <a:gs pos="0">
+              <a:schemeClr val="phClr">
+                <a:tint val="80000"/>
+                <a:satMod val="300000"/>
+              </a:schemeClr>
+            </a:gs>
+            <a:gs pos="100000">
+              <a:schemeClr val="phClr">
+                <a:shade val="30000"/>
+                <a:satMod val="200000"/>
+              </a:schemeClr>
+            </a:gs>
+          </a:gsLst>
+          <a:path path="circle">
+            <a:fillToRect l="50000" t="50000" r="50000" b="50000"/>
+          </a:path>
+        </a:gradFill>
+      </a:bgFillStyleLst>
+    </a:fmtScheme>
+  </a:themeElements>
+</a:theme>
+</file>
+
+<file path=ppt/theme/theme2.xml><?xml version="1.0" encoding="utf-8"?>
 <a:theme xmlns:a="http://schemas.openxmlformats.org/drawingml/2006/main" xmlns:r="http://schemas.openxmlformats.org/officeDocument/2006/relationships">
   <a:themeElements>
     <a:clrScheme name="Default">
@@ -8738,283 +9899,4 @@
     </a:fmtScheme>
   </a:themeElements>
 </a:theme>
-</file>
-
-<file path=ppt/theme/theme2.xml><?xml version="1.0" encoding="utf-8"?>
-<a:theme xmlns:a="http://schemas.openxmlformats.org/drawingml/2006/main" xmlns:r="http://schemas.openxmlformats.org/officeDocument/2006/relationships" name="Simple Dark">
-  <a:themeElements>
-    <a:clrScheme name="Simple Dark">
-      <a:dk1>
-        <a:srgbClr val="FFFFFF"/>
-      </a:dk1>
-      <a:lt1>
-        <a:srgbClr val="212121"/>
-      </a:lt1>
-      <a:dk2>
-        <a:srgbClr val="303030"/>
-      </a:dk2>
-      <a:lt2>
-        <a:srgbClr val="ADADAD"/>
-      </a:lt2>
-      <a:accent1>
-        <a:srgbClr val="009688"/>
-      </a:accent1>
-      <a:accent2>
-        <a:srgbClr val="EEEEEE"/>
-      </a:accent2>
-      <a:accent3>
-        <a:srgbClr val="78909C"/>
-      </a:accent3>
-      <a:accent4>
-        <a:srgbClr val="FFAB40"/>
-      </a:accent4>
-      <a:accent5>
-        <a:srgbClr val="4DD0E1"/>
-      </a:accent5>
-      <a:accent6>
-        <a:srgbClr val="EEFF41"/>
-      </a:accent6>
-      <a:hlink>
-        <a:srgbClr val="4DD0E1"/>
-      </a:hlink>
-      <a:folHlink>
-        <a:srgbClr val="4DD0E1"/>
-      </a:folHlink>
-    </a:clrScheme>
-    <a:fontScheme name="Office">
-      <a:majorFont>
-        <a:latin typeface="Arial"/>
-        <a:ea typeface=""/>
-        <a:cs typeface=""/>
-        <a:font script="Jpan" typeface="ＭＳ Ｐゴシック"/>
-        <a:font script="Hang" typeface="맑은 고딕"/>
-        <a:font script="Hans" typeface="宋体"/>
-        <a:font script="Hant" typeface="新細明體"/>
-        <a:font script="Arab" typeface="Times New Roman"/>
-        <a:font script="Hebr" typeface="Times New Roman"/>
-        <a:font script="Thai" typeface="Angsana New"/>
-        <a:font script="Ethi" typeface="Nyala"/>
-        <a:font script="Beng" typeface="Vrinda"/>
-        <a:font script="Gujr" typeface="Shruti"/>
-        <a:font script="Khmr" typeface="MoolBoran"/>
-        <a:font script="Knda" typeface="Tunga"/>
-        <a:font script="Guru" typeface="Raavi"/>
-        <a:font script="Cans" typeface="Euphemia"/>
-        <a:font script="Cher" typeface="Plantagenet Cherokee"/>
-        <a:font script="Yiii" typeface="Microsoft Yi Baiti"/>
-        <a:font script="Tibt" typeface="Microsoft Himalaya"/>
-        <a:font script="Thaa" typeface="MV Boli"/>
-        <a:font script="Deva" typeface="Mangal"/>
-        <a:font script="Telu" typeface="Gautami"/>
-        <a:font script="Taml" typeface="Latha"/>
-        <a:font script="Syrc" typeface="Estrangelo Edessa"/>
-        <a:font script="Orya" typeface="Kalinga"/>
-        <a:font script="Mlym" typeface="Kartika"/>
-        <a:font script="Laoo" typeface="DokChampa"/>
-        <a:font script="Sinh" typeface="Iskoola Pota"/>
-        <a:font script="Mong" typeface="Mongolian Baiti"/>
-        <a:font script="Viet" typeface="Times New Roman"/>
-        <a:font script="Uigh" typeface="Microsoft Uighur"/>
-        <a:font script="Geor" typeface="Sylfaen"/>
-      </a:majorFont>
-      <a:minorFont>
-        <a:latin typeface="Arial"/>
-        <a:ea typeface=""/>
-        <a:cs typeface=""/>
-        <a:font script="Jpan" typeface="ＭＳ Ｐゴシック"/>
-        <a:font script="Hang" typeface="맑은 고딕"/>
-        <a:font script="Hans" typeface="宋体"/>
-        <a:font script="Hant" typeface="新細明體"/>
-        <a:font script="Arab" typeface="Arial"/>
-        <a:font script="Hebr" typeface="Arial"/>
-        <a:font script="Thai" typeface="Cordia New"/>
-        <a:font script="Ethi" typeface="Nyala"/>
-        <a:font script="Beng" typeface="Vrinda"/>
-        <a:font script="Gujr" typeface="Shruti"/>
-        <a:font script="Khmr" typeface="DaunPenh"/>
-        <a:font script="Knda" typeface="Tunga"/>
-        <a:font script="Guru" typeface="Raavi"/>
-        <a:font script="Cans" typeface="Euphemia"/>
-        <a:font script="Cher" typeface="Plantagenet Cherokee"/>
-        <a:font script="Yiii" typeface="Microsoft Yi Baiti"/>
-        <a:font script="Tibt" typeface="Microsoft Himalaya"/>
-        <a:font script="Thaa" typeface="MV Boli"/>
-        <a:font script="Deva" typeface="Mangal"/>
-        <a:font script="Telu" typeface="Gautami"/>
-        <a:font script="Taml" typeface="Latha"/>
-        <a:font script="Syrc" typeface="Estrangelo Edessa"/>
-        <a:font script="Orya" typeface="Kalinga"/>
-        <a:font script="Mlym" typeface="Kartika"/>
-        <a:font script="Laoo" typeface="DokChampa"/>
-        <a:font script="Sinh" typeface="Iskoola Pota"/>
-        <a:font script="Mong" typeface="Mongolian Baiti"/>
-        <a:font script="Viet" typeface="Arial"/>
-        <a:font script="Uigh" typeface="Microsoft Uighur"/>
-        <a:font script="Geor" typeface="Sylfaen"/>
-      </a:minorFont>
-    </a:fontScheme>
-    <a:fmtScheme name="Office">
-      <a:fillStyleLst>
-        <a:solidFill>
-          <a:schemeClr val="phClr"/>
-        </a:solidFill>
-        <a:gradFill rotWithShape="1">
-          <a:gsLst>
-            <a:gs pos="0">
-              <a:schemeClr val="phClr">
-                <a:tint val="50000"/>
-                <a:satMod val="300000"/>
-              </a:schemeClr>
-            </a:gs>
-            <a:gs pos="35000">
-              <a:schemeClr val="phClr">
-                <a:tint val="37000"/>
-                <a:satMod val="300000"/>
-              </a:schemeClr>
-            </a:gs>
-            <a:gs pos="100000">
-              <a:schemeClr val="phClr">
-                <a:tint val="15000"/>
-                <a:satMod val="350000"/>
-              </a:schemeClr>
-            </a:gs>
-          </a:gsLst>
-          <a:lin ang="16200000" scaled="1"/>
-        </a:gradFill>
-        <a:gradFill rotWithShape="1">
-          <a:gsLst>
-            <a:gs pos="0">
-              <a:schemeClr val="phClr">
-                <a:tint val="100000"/>
-                <a:shade val="100000"/>
-                <a:satMod val="130000"/>
-              </a:schemeClr>
-            </a:gs>
-            <a:gs pos="100000">
-              <a:schemeClr val="phClr">
-                <a:tint val="50000"/>
-                <a:shade val="100000"/>
-                <a:satMod val="350000"/>
-              </a:schemeClr>
-            </a:gs>
-          </a:gsLst>
-          <a:lin ang="16200000" scaled="0"/>
-        </a:gradFill>
-      </a:fillStyleLst>
-      <a:lnStyleLst>
-        <a:ln w="9525" cap="flat" cmpd="sng" algn="ctr">
-          <a:solidFill>
-            <a:schemeClr val="phClr">
-              <a:shade val="95000"/>
-              <a:satMod val="105000"/>
-            </a:schemeClr>
-          </a:solidFill>
-          <a:prstDash val="solid"/>
-        </a:ln>
-        <a:ln w="25400" cap="flat" cmpd="sng" algn="ctr">
-          <a:solidFill>
-            <a:schemeClr val="phClr"/>
-          </a:solidFill>
-          <a:prstDash val="solid"/>
-        </a:ln>
-        <a:ln w="38100" cap="flat" cmpd="sng" algn="ctr">
-          <a:solidFill>
-            <a:schemeClr val="phClr"/>
-          </a:solidFill>
-          <a:prstDash val="solid"/>
-        </a:ln>
-      </a:lnStyleLst>
-      <a:effectStyleLst>
-        <a:effectStyle>
-          <a:effectLst>
-            <a:outerShdw blurRad="40000" dist="20000" dir="5400000" rotWithShape="0">
-              <a:srgbClr val="000000">
-                <a:alpha val="38000"/>
-              </a:srgbClr>
-            </a:outerShdw>
-          </a:effectLst>
-        </a:effectStyle>
-        <a:effectStyle>
-          <a:effectLst>
-            <a:outerShdw blurRad="40000" dist="23000" dir="5400000" rotWithShape="0">
-              <a:srgbClr val="000000">
-                <a:alpha val="35000"/>
-              </a:srgbClr>
-            </a:outerShdw>
-          </a:effectLst>
-        </a:effectStyle>
-        <a:effectStyle>
-          <a:effectLst>
-            <a:outerShdw blurRad="40000" dist="23000" dir="5400000" rotWithShape="0">
-              <a:srgbClr val="000000">
-                <a:alpha val="35000"/>
-              </a:srgbClr>
-            </a:outerShdw>
-          </a:effectLst>
-          <a:scene3d>
-            <a:camera prst="orthographicFront">
-              <a:rot lat="0" lon="0" rev="0"/>
-            </a:camera>
-            <a:lightRig rig="threePt" dir="t">
-              <a:rot lat="0" lon="0" rev="1200000"/>
-            </a:lightRig>
-          </a:scene3d>
-          <a:sp3d>
-            <a:bevelT w="63500" h="25400"/>
-          </a:sp3d>
-        </a:effectStyle>
-      </a:effectStyleLst>
-      <a:bgFillStyleLst>
-        <a:solidFill>
-          <a:schemeClr val="phClr"/>
-        </a:solidFill>
-        <a:gradFill rotWithShape="1">
-          <a:gsLst>
-            <a:gs pos="0">
-              <a:schemeClr val="phClr">
-                <a:tint val="40000"/>
-                <a:satMod val="350000"/>
-              </a:schemeClr>
-            </a:gs>
-            <a:gs pos="40000">
-              <a:schemeClr val="phClr">
-                <a:tint val="45000"/>
-                <a:shade val="99000"/>
-                <a:satMod val="350000"/>
-              </a:schemeClr>
-            </a:gs>
-            <a:gs pos="100000">
-              <a:schemeClr val="phClr">
-                <a:shade val="20000"/>
-                <a:satMod val="255000"/>
-              </a:schemeClr>
-            </a:gs>
-          </a:gsLst>
-          <a:path path="circle">
-            <a:fillToRect l="50000" t="-80000" r="50000" b="180000"/>
-          </a:path>
-        </a:gradFill>
-        <a:gradFill rotWithShape="1">
-          <a:gsLst>
-            <a:gs pos="0">
-              <a:schemeClr val="phClr">
-                <a:tint val="80000"/>
-                <a:satMod val="300000"/>
-              </a:schemeClr>
-            </a:gs>
-            <a:gs pos="100000">
-              <a:schemeClr val="phClr">
-                <a:shade val="30000"/>
-                <a:satMod val="200000"/>
-              </a:schemeClr>
-            </a:gs>
-          </a:gsLst>
-          <a:path path="circle">
-            <a:fillToRect l="50000" t="50000" r="50000" b="50000"/>
-          </a:path>
-        </a:gradFill>
-      </a:bgFillStyleLst>
-    </a:fmtScheme>
-  </a:themeElements>
-</a:theme>
 </file>